--- a/concurrent/target/classes/com/daxin/concurrent/java并发之线程池学习.pptx
+++ b/concurrent/target/classes/com/daxin/concurrent/java并发之线程池学习.pptx
@@ -11,46 +11,47 @@
     <p:sldId id="259" r:id="rId5"/>
     <p:sldId id="260" r:id="rId6"/>
     <p:sldId id="261" r:id="rId7"/>
-    <p:sldId id="262" r:id="rId8"/>
-    <p:sldId id="263" r:id="rId9"/>
-    <p:sldId id="264" r:id="rId10"/>
-    <p:sldId id="265" r:id="rId11"/>
-    <p:sldId id="266" r:id="rId12"/>
-    <p:sldId id="267" r:id="rId13"/>
-    <p:sldId id="268" r:id="rId14"/>
-    <p:sldId id="269" r:id="rId15"/>
-    <p:sldId id="270" r:id="rId16"/>
-    <p:sldId id="271" r:id="rId17"/>
-    <p:sldId id="272" r:id="rId18"/>
-    <p:sldId id="273" r:id="rId19"/>
-    <p:sldId id="274" r:id="rId20"/>
-    <p:sldId id="275" r:id="rId21"/>
-    <p:sldId id="276" r:id="rId22"/>
-    <p:sldId id="277" r:id="rId23"/>
-    <p:sldId id="278" r:id="rId24"/>
-    <p:sldId id="279" r:id="rId25"/>
-    <p:sldId id="280" r:id="rId26"/>
-    <p:sldId id="281" r:id="rId27"/>
-    <p:sldId id="282" r:id="rId28"/>
-    <p:sldId id="283" r:id="rId29"/>
-    <p:sldId id="284" r:id="rId30"/>
-    <p:sldId id="285" r:id="rId31"/>
-    <p:sldId id="286" r:id="rId32"/>
-    <p:sldId id="287" r:id="rId33"/>
-    <p:sldId id="288" r:id="rId34"/>
-    <p:sldId id="289" r:id="rId35"/>
-    <p:sldId id="290" r:id="rId36"/>
-    <p:sldId id="291" r:id="rId37"/>
-    <p:sldId id="292" r:id="rId38"/>
-    <p:sldId id="293" r:id="rId39"/>
-    <p:sldId id="294" r:id="rId40"/>
-    <p:sldId id="295" r:id="rId41"/>
-    <p:sldId id="296" r:id="rId42"/>
-    <p:sldId id="297" r:id="rId43"/>
-    <p:sldId id="298" r:id="rId44"/>
-    <p:sldId id="299" r:id="rId45"/>
-    <p:sldId id="300" r:id="rId46"/>
-    <p:sldId id="301" r:id="rId47"/>
+    <p:sldId id="263" r:id="rId8"/>
+    <p:sldId id="262" r:id="rId9"/>
+    <p:sldId id="265" r:id="rId10"/>
+    <p:sldId id="302" r:id="rId11"/>
+    <p:sldId id="264" r:id="rId12"/>
+    <p:sldId id="266" r:id="rId13"/>
+    <p:sldId id="267" r:id="rId14"/>
+    <p:sldId id="268" r:id="rId15"/>
+    <p:sldId id="269" r:id="rId16"/>
+    <p:sldId id="270" r:id="rId17"/>
+    <p:sldId id="271" r:id="rId18"/>
+    <p:sldId id="272" r:id="rId19"/>
+    <p:sldId id="273" r:id="rId20"/>
+    <p:sldId id="274" r:id="rId21"/>
+    <p:sldId id="275" r:id="rId22"/>
+    <p:sldId id="276" r:id="rId23"/>
+    <p:sldId id="277" r:id="rId24"/>
+    <p:sldId id="278" r:id="rId25"/>
+    <p:sldId id="279" r:id="rId26"/>
+    <p:sldId id="280" r:id="rId27"/>
+    <p:sldId id="281" r:id="rId28"/>
+    <p:sldId id="282" r:id="rId29"/>
+    <p:sldId id="283" r:id="rId30"/>
+    <p:sldId id="284" r:id="rId31"/>
+    <p:sldId id="285" r:id="rId32"/>
+    <p:sldId id="286" r:id="rId33"/>
+    <p:sldId id="287" r:id="rId34"/>
+    <p:sldId id="288" r:id="rId35"/>
+    <p:sldId id="289" r:id="rId36"/>
+    <p:sldId id="290" r:id="rId37"/>
+    <p:sldId id="291" r:id="rId38"/>
+    <p:sldId id="292" r:id="rId39"/>
+    <p:sldId id="293" r:id="rId40"/>
+    <p:sldId id="294" r:id="rId41"/>
+    <p:sldId id="295" r:id="rId42"/>
+    <p:sldId id="296" r:id="rId43"/>
+    <p:sldId id="297" r:id="rId44"/>
+    <p:sldId id="298" r:id="rId45"/>
+    <p:sldId id="299" r:id="rId46"/>
+    <p:sldId id="300" r:id="rId47"/>
+    <p:sldId id="301" r:id="rId48"/>
   </p:sldIdLst>
   <p:sldSz cx="12192000" cy="6858000"/>
   <p:notesSz cx="6858000" cy="9144000"/>
@@ -149,6 +150,11 @@
       </a:defRPr>
     </a:lvl9pPr>
   </p:defaultTextStyle>
+  <p:extLst>
+    <p:ext uri="{EFAFB233-063F-42B5-8137-9DF3F51BA10A}">
+      <p15:sldGuideLst xmlns:p15="http://schemas.microsoft.com/office/powerpoint/2012/main"/>
+    </p:ext>
+  </p:extLst>
 </p:presentation>
 </file>
 
@@ -283,7 +289,7 @@
           <a:p>
             <a:fld id="{4C66DA94-FE23-4F8C-9219-15A8745059B3}" type="datetimeFigureOut">
               <a:rPr lang="zh-CN" altLang="en-US" smtClean="0"/>
-              <a:t>2017/4/6</a:t>
+              <a:t>2017/4/7</a:t>
             </a:fld>
             <a:endParaRPr lang="zh-CN" altLang="en-US"/>
           </a:p>
@@ -453,7 +459,7 @@
           <a:p>
             <a:fld id="{4C66DA94-FE23-4F8C-9219-15A8745059B3}" type="datetimeFigureOut">
               <a:rPr lang="zh-CN" altLang="en-US" smtClean="0"/>
-              <a:t>2017/4/6</a:t>
+              <a:t>2017/4/7</a:t>
             </a:fld>
             <a:endParaRPr lang="zh-CN" altLang="en-US"/>
           </a:p>
@@ -633,7 +639,7 @@
           <a:p>
             <a:fld id="{4C66DA94-FE23-4F8C-9219-15A8745059B3}" type="datetimeFigureOut">
               <a:rPr lang="zh-CN" altLang="en-US" smtClean="0"/>
-              <a:t>2017/4/6</a:t>
+              <a:t>2017/4/7</a:t>
             </a:fld>
             <a:endParaRPr lang="zh-CN" altLang="en-US"/>
           </a:p>
@@ -803,7 +809,7 @@
           <a:p>
             <a:fld id="{4C66DA94-FE23-4F8C-9219-15A8745059B3}" type="datetimeFigureOut">
               <a:rPr lang="zh-CN" altLang="en-US" smtClean="0"/>
-              <a:t>2017/4/6</a:t>
+              <a:t>2017/4/7</a:t>
             </a:fld>
             <a:endParaRPr lang="zh-CN" altLang="en-US"/>
           </a:p>
@@ -1049,7 +1055,7 @@
           <a:p>
             <a:fld id="{4C66DA94-FE23-4F8C-9219-15A8745059B3}" type="datetimeFigureOut">
               <a:rPr lang="zh-CN" altLang="en-US" smtClean="0"/>
-              <a:t>2017/4/6</a:t>
+              <a:t>2017/4/7</a:t>
             </a:fld>
             <a:endParaRPr lang="zh-CN" altLang="en-US"/>
           </a:p>
@@ -1281,7 +1287,7 @@
           <a:p>
             <a:fld id="{4C66DA94-FE23-4F8C-9219-15A8745059B3}" type="datetimeFigureOut">
               <a:rPr lang="zh-CN" altLang="en-US" smtClean="0"/>
-              <a:t>2017/4/6</a:t>
+              <a:t>2017/4/7</a:t>
             </a:fld>
             <a:endParaRPr lang="zh-CN" altLang="en-US"/>
           </a:p>
@@ -1648,7 +1654,7 @@
           <a:p>
             <a:fld id="{4C66DA94-FE23-4F8C-9219-15A8745059B3}" type="datetimeFigureOut">
               <a:rPr lang="zh-CN" altLang="en-US" smtClean="0"/>
-              <a:t>2017/4/6</a:t>
+              <a:t>2017/4/7</a:t>
             </a:fld>
             <a:endParaRPr lang="zh-CN" altLang="en-US"/>
           </a:p>
@@ -1766,7 +1772,7 @@
           <a:p>
             <a:fld id="{4C66DA94-FE23-4F8C-9219-15A8745059B3}" type="datetimeFigureOut">
               <a:rPr lang="zh-CN" altLang="en-US" smtClean="0"/>
-              <a:t>2017/4/6</a:t>
+              <a:t>2017/4/7</a:t>
             </a:fld>
             <a:endParaRPr lang="zh-CN" altLang="en-US"/>
           </a:p>
@@ -1861,7 +1867,7 @@
           <a:p>
             <a:fld id="{4C66DA94-FE23-4F8C-9219-15A8745059B3}" type="datetimeFigureOut">
               <a:rPr lang="zh-CN" altLang="en-US" smtClean="0"/>
-              <a:t>2017/4/6</a:t>
+              <a:t>2017/4/7</a:t>
             </a:fld>
             <a:endParaRPr lang="zh-CN" altLang="en-US"/>
           </a:p>
@@ -2138,7 +2144,7 @@
           <a:p>
             <a:fld id="{4C66DA94-FE23-4F8C-9219-15A8745059B3}" type="datetimeFigureOut">
               <a:rPr lang="zh-CN" altLang="en-US" smtClean="0"/>
-              <a:t>2017/4/6</a:t>
+              <a:t>2017/4/7</a:t>
             </a:fld>
             <a:endParaRPr lang="zh-CN" altLang="en-US"/>
           </a:p>
@@ -2391,7 +2397,7 @@
           <a:p>
             <a:fld id="{4C66DA94-FE23-4F8C-9219-15A8745059B3}" type="datetimeFigureOut">
               <a:rPr lang="zh-CN" altLang="en-US" smtClean="0"/>
-              <a:t>2017/4/6</a:t>
+              <a:t>2017/4/7</a:t>
             </a:fld>
             <a:endParaRPr lang="zh-CN" altLang="en-US"/>
           </a:p>
@@ -2604,7 +2610,7 @@
           <a:p>
             <a:fld id="{4C66DA94-FE23-4F8C-9219-15A8745059B3}" type="datetimeFigureOut">
               <a:rPr lang="zh-CN" altLang="en-US" smtClean="0"/>
-              <a:t>2017/4/6</a:t>
+              <a:t>2017/4/7</a:t>
             </a:fld>
             <a:endParaRPr lang="zh-CN" altLang="en-US"/>
           </a:p>
@@ -3732,6 +3738,36 @@
 <file path=ppt/slides/slide10.xml><?xml version="1.0" encoding="utf-8"?>
 <p:sld xmlns:a="http://schemas.openxmlformats.org/drawingml/2006/main" xmlns:r="http://schemas.openxmlformats.org/officeDocument/2006/relationships" xmlns:p="http://schemas.openxmlformats.org/presentationml/2006/main">
   <p:cSld>
+    <p:spTree>
+      <p:nvGrpSpPr>
+        <p:cNvPr id="1" name=""/>
+        <p:cNvGrpSpPr/>
+        <p:nvPr/>
+      </p:nvGrpSpPr>
+      <p:grpSpPr>
+        <a:xfrm>
+          <a:off x="0" y="0"/>
+          <a:ext cx="0" cy="0"/>
+          <a:chOff x="0" y="0"/>
+          <a:chExt cx="0" cy="0"/>
+        </a:xfrm>
+      </p:grpSpPr>
+    </p:spTree>
+    <p:extLst>
+      <p:ext uri="{BB962C8B-B14F-4D97-AF65-F5344CB8AC3E}">
+        <p14:creationId xmlns:p14="http://schemas.microsoft.com/office/powerpoint/2010/main" val="1911986534"/>
+      </p:ext>
+    </p:extLst>
+  </p:cSld>
+  <p:clrMapOvr>
+    <a:masterClrMapping/>
+  </p:clrMapOvr>
+</p:sld>
+</file>
+
+<file path=ppt/slides/slide11.xml><?xml version="1.0" encoding="utf-8"?>
+<p:sld xmlns:a="http://schemas.openxmlformats.org/drawingml/2006/main" xmlns:r="http://schemas.openxmlformats.org/officeDocument/2006/relationships" xmlns:p="http://schemas.openxmlformats.org/presentationml/2006/main">
+  <p:cSld>
     <p:bg>
       <p:bgPr>
         <a:solidFill>
@@ -3756,10 +3792,87 @@
           <a:chExt cx="0" cy="0"/>
         </a:xfrm>
       </p:grpSpPr>
+      <p:sp>
+        <p:nvSpPr>
+          <p:cNvPr id="2" name="矩形 1"/>
+          <p:cNvSpPr/>
+          <p:nvPr/>
+        </p:nvSpPr>
+        <p:spPr>
+          <a:xfrm>
+            <a:off x="1847802" y="1340059"/>
+            <a:ext cx="6144626" cy="1323439"/>
+          </a:xfrm>
+          <a:prstGeom prst="rect">
+            <a:avLst/>
+          </a:prstGeom>
+        </p:spPr>
+        <p:txBody>
+          <a:bodyPr wrap="square">
+            <a:spAutoFit/>
+          </a:bodyPr>
+          <a:lstStyle/>
+          <a:p>
+            <a:r>
+              <a:rPr lang="zh-CN" altLang="en-US" sz="4400" smtClean="0">
+                <a:solidFill>
+                  <a:srgbClr val="FF0000"/>
+                </a:solidFill>
+              </a:rPr>
+              <a:t>书签</a:t>
+            </a:r>
+            <a:r>
+              <a:rPr lang="zh-CN" altLang="en-US" smtClean="0"/>
+              <a:t>：</a:t>
+            </a:r>
+            <a:r>
+              <a:rPr lang="en-US" altLang="zh-CN" smtClean="0"/>
+              <a:t>Scheduled</a:t>
+            </a:r>
+            <a:r>
+              <a:rPr lang="zh-CN" altLang="en-US" smtClean="0"/>
+              <a:t>明天继续研究</a:t>
+            </a:r>
+            <a:r>
+              <a:rPr lang="en-US" altLang="zh-CN" smtClean="0"/>
+              <a:t>Scheduled</a:t>
+            </a:r>
+            <a:r>
+              <a:rPr lang="zh-CN" altLang="en-US" smtClean="0"/>
+              <a:t>的并发</a:t>
+            </a:r>
+            <a:r>
+              <a:rPr lang="zh-CN" altLang="en-US" smtClean="0"/>
+              <a:t>编程，以及</a:t>
+            </a:r>
+            <a:r>
+              <a:rPr lang="en-US" altLang="zh-CN" sz="3600" b="1" smtClean="0">
+                <a:solidFill>
+                  <a:srgbClr val="FF0000"/>
+                </a:solidFill>
+              </a:rPr>
+              <a:t>DelayedWorkQueue</a:t>
+            </a:r>
+            <a:r>
+              <a:rPr lang="zh-CN" altLang="en-US" sz="3600" b="1" smtClean="0">
+                <a:solidFill>
+                  <a:srgbClr val="FF0000"/>
+                </a:solidFill>
+              </a:rPr>
+              <a:t>的学习</a:t>
+            </a:r>
+            <a:endParaRPr lang="en-US" altLang="zh-CN" sz="3600" b="1" smtClean="0">
+              <a:solidFill>
+                <a:srgbClr val="FF0000"/>
+              </a:solidFill>
+            </a:endParaRPr>
+          </a:p>
+        </p:txBody>
+      </p:sp>
     </p:spTree>
     <p:extLst>
       <p:ext uri="{BB962C8B-B14F-4D97-AF65-F5344CB8AC3E}">
-        <p14:creationId xmlns:p14="http://schemas.microsoft.com/office/powerpoint/2010/main" val="1508588182"/>
+        <p14:creationId xmlns:p14="http://schemas.microsoft.com/office/powerpoint/2010/main" val="3562849902"/>
       </p:ext>
     </p:extLst>
   </p:cSld>
@@ -3769,7 +3882,7 @@
 </p:sld>
 </file>
 
-<file path=ppt/slides/slide11.xml><?xml version="1.0" encoding="utf-8"?>
+<file path=ppt/slides/slide12.xml><?xml version="1.0" encoding="utf-8"?>
 <p:sld xmlns:a="http://schemas.openxmlformats.org/drawingml/2006/main" xmlns:r="http://schemas.openxmlformats.org/officeDocument/2006/relationships" xmlns:p="http://schemas.openxmlformats.org/presentationml/2006/main">
   <p:cSld>
     <p:bg>
@@ -3809,7 +3922,7 @@
 </p:sld>
 </file>
 
-<file path=ppt/slides/slide12.xml><?xml version="1.0" encoding="utf-8"?>
+<file path=ppt/slides/slide13.xml><?xml version="1.0" encoding="utf-8"?>
 <p:sld xmlns:a="http://schemas.openxmlformats.org/drawingml/2006/main" xmlns:r="http://schemas.openxmlformats.org/officeDocument/2006/relationships" xmlns:p="http://schemas.openxmlformats.org/presentationml/2006/main">
   <p:cSld>
     <p:bg>
@@ -3849,7 +3962,7 @@
 </p:sld>
 </file>
 
-<file path=ppt/slides/slide13.xml><?xml version="1.0" encoding="utf-8"?>
+<file path=ppt/slides/slide14.xml><?xml version="1.0" encoding="utf-8"?>
 <p:sld xmlns:a="http://schemas.openxmlformats.org/drawingml/2006/main" xmlns:r="http://schemas.openxmlformats.org/officeDocument/2006/relationships" xmlns:p="http://schemas.openxmlformats.org/presentationml/2006/main">
   <p:cSld>
     <p:bg>
@@ -3889,7 +4002,7 @@
 </p:sld>
 </file>
 
-<file path=ppt/slides/slide14.xml><?xml version="1.0" encoding="utf-8"?>
+<file path=ppt/slides/slide15.xml><?xml version="1.0" encoding="utf-8"?>
 <p:sld xmlns:a="http://schemas.openxmlformats.org/drawingml/2006/main" xmlns:r="http://schemas.openxmlformats.org/officeDocument/2006/relationships" xmlns:p="http://schemas.openxmlformats.org/presentationml/2006/main">
   <p:cSld>
     <p:bg>
@@ -3929,7 +4042,7 @@
 </p:sld>
 </file>
 
-<file path=ppt/slides/slide15.xml><?xml version="1.0" encoding="utf-8"?>
+<file path=ppt/slides/slide16.xml><?xml version="1.0" encoding="utf-8"?>
 <p:sld xmlns:a="http://schemas.openxmlformats.org/drawingml/2006/main" xmlns:r="http://schemas.openxmlformats.org/officeDocument/2006/relationships" xmlns:p="http://schemas.openxmlformats.org/presentationml/2006/main">
   <p:cSld>
     <p:bg>
@@ -3969,7 +4082,7 @@
 </p:sld>
 </file>
 
-<file path=ppt/slides/slide16.xml><?xml version="1.0" encoding="utf-8"?>
+<file path=ppt/slides/slide17.xml><?xml version="1.0" encoding="utf-8"?>
 <p:sld xmlns:a="http://schemas.openxmlformats.org/drawingml/2006/main" xmlns:r="http://schemas.openxmlformats.org/officeDocument/2006/relationships" xmlns:p="http://schemas.openxmlformats.org/presentationml/2006/main">
   <p:cSld>
     <p:bg>
@@ -4009,7 +4122,7 @@
 </p:sld>
 </file>
 
-<file path=ppt/slides/slide17.xml><?xml version="1.0" encoding="utf-8"?>
+<file path=ppt/slides/slide18.xml><?xml version="1.0" encoding="utf-8"?>
 <p:sld xmlns:a="http://schemas.openxmlformats.org/drawingml/2006/main" xmlns:r="http://schemas.openxmlformats.org/officeDocument/2006/relationships" xmlns:p="http://schemas.openxmlformats.org/presentationml/2006/main">
   <p:cSld>
     <p:bg>
@@ -4049,7 +4162,7 @@
 </p:sld>
 </file>
 
-<file path=ppt/slides/slide18.xml><?xml version="1.0" encoding="utf-8"?>
+<file path=ppt/slides/slide19.xml><?xml version="1.0" encoding="utf-8"?>
 <p:sld xmlns:a="http://schemas.openxmlformats.org/drawingml/2006/main" xmlns:r="http://schemas.openxmlformats.org/officeDocument/2006/relationships" xmlns:p="http://schemas.openxmlformats.org/presentationml/2006/main">
   <p:cSld>
     <p:bg>
@@ -4080,46 +4193,6 @@
     <p:extLst>
       <p:ext uri="{BB962C8B-B14F-4D97-AF65-F5344CB8AC3E}">
         <p14:creationId xmlns:p14="http://schemas.microsoft.com/office/powerpoint/2010/main" val="3082855020"/>
-      </p:ext>
-    </p:extLst>
-  </p:cSld>
-  <p:clrMapOvr>
-    <a:masterClrMapping/>
-  </p:clrMapOvr>
-</p:sld>
-</file>
-
-<file path=ppt/slides/slide19.xml><?xml version="1.0" encoding="utf-8"?>
-<p:sld xmlns:a="http://schemas.openxmlformats.org/drawingml/2006/main" xmlns:r="http://schemas.openxmlformats.org/officeDocument/2006/relationships" xmlns:p="http://schemas.openxmlformats.org/presentationml/2006/main">
-  <p:cSld>
-    <p:bg>
-      <p:bgPr>
-        <a:solidFill>
-          <a:schemeClr val="accent1">
-            <a:lumMod val="75000"/>
-          </a:schemeClr>
-        </a:solidFill>
-        <a:effectLst/>
-      </p:bgPr>
-    </p:bg>
-    <p:spTree>
-      <p:nvGrpSpPr>
-        <p:cNvPr id="1" name=""/>
-        <p:cNvGrpSpPr/>
-        <p:nvPr/>
-      </p:nvGrpSpPr>
-      <p:grpSpPr>
-        <a:xfrm>
-          <a:off x="0" y="0"/>
-          <a:ext cx="0" cy="0"/>
-          <a:chOff x="0" y="0"/>
-          <a:chExt cx="0" cy="0"/>
-        </a:xfrm>
-      </p:grpSpPr>
-    </p:spTree>
-    <p:extLst>
-      <p:ext uri="{BB962C8B-B14F-4D97-AF65-F5344CB8AC3E}">
-        <p14:creationId xmlns:p14="http://schemas.microsoft.com/office/powerpoint/2010/main" val="2258221314"/>
       </p:ext>
     </p:extLst>
   </p:cSld>
@@ -4237,23 +4310,11 @@
             </a:r>
             <a:r>
               <a:rPr lang="zh-CN" altLang="en-US" sz="1600" smtClean="0"/>
-              <a:t>的</a:t>
-            </a:r>
-            <a:r>
-              <a:rPr lang="zh-CN" altLang="en-US" sz="1600" smtClean="0"/>
-              <a:t>实现类</a:t>
-            </a:r>
-            <a:r>
-              <a:rPr lang="zh-CN" altLang="en-US" sz="1600" smtClean="0"/>
-              <a:t>，提供不可以定时的线程池：        </a:t>
+              <a:t>的实现类，提供不可以定时的线程池：        </a:t>
             </a:r>
             <a:r>
               <a:rPr lang="en-US" altLang="zh-CN" sz="1600" smtClean="0"/>
-              <a:t>	</a:t>
-            </a:r>
-            <a:r>
-              <a:rPr lang="en-US" altLang="zh-CN" sz="1600" smtClean="0"/>
-              <a:t>public class ThreadPoolExecutor extends AbstractExecutorService</a:t>
+              <a:t>	public class ThreadPoolExecutor extends AbstractExecutorService</a:t>
             </a:r>
             <a:endParaRPr lang="en-US" altLang="zh-CN" sz="1600"/>
           </a:p>
@@ -4309,7 +4370,7 @@
     </p:spTree>
     <p:extLst>
       <p:ext uri="{BB962C8B-B14F-4D97-AF65-F5344CB8AC3E}">
-        <p14:creationId xmlns:p14="http://schemas.microsoft.com/office/powerpoint/2010/main" val="253827978"/>
+        <p14:creationId xmlns:p14="http://schemas.microsoft.com/office/powerpoint/2010/main" val="2258221314"/>
       </p:ext>
     </p:extLst>
   </p:cSld>
@@ -4349,7 +4410,7 @@
     </p:spTree>
     <p:extLst>
       <p:ext uri="{BB962C8B-B14F-4D97-AF65-F5344CB8AC3E}">
-        <p14:creationId xmlns:p14="http://schemas.microsoft.com/office/powerpoint/2010/main" val="2213798836"/>
+        <p14:creationId xmlns:p14="http://schemas.microsoft.com/office/powerpoint/2010/main" val="253827978"/>
       </p:ext>
     </p:extLst>
   </p:cSld>
@@ -4389,7 +4450,7 @@
     </p:spTree>
     <p:extLst>
       <p:ext uri="{BB962C8B-B14F-4D97-AF65-F5344CB8AC3E}">
-        <p14:creationId xmlns:p14="http://schemas.microsoft.com/office/powerpoint/2010/main" val="2509570223"/>
+        <p14:creationId xmlns:p14="http://schemas.microsoft.com/office/powerpoint/2010/main" val="2213798836"/>
       </p:ext>
     </p:extLst>
   </p:cSld>
@@ -4429,7 +4490,7 @@
     </p:spTree>
     <p:extLst>
       <p:ext uri="{BB962C8B-B14F-4D97-AF65-F5344CB8AC3E}">
-        <p14:creationId xmlns:p14="http://schemas.microsoft.com/office/powerpoint/2010/main" val="2228940888"/>
+        <p14:creationId xmlns:p14="http://schemas.microsoft.com/office/powerpoint/2010/main" val="2509570223"/>
       </p:ext>
     </p:extLst>
   </p:cSld>
@@ -4469,7 +4530,7 @@
     </p:spTree>
     <p:extLst>
       <p:ext uri="{BB962C8B-B14F-4D97-AF65-F5344CB8AC3E}">
-        <p14:creationId xmlns:p14="http://schemas.microsoft.com/office/powerpoint/2010/main" val="54942494"/>
+        <p14:creationId xmlns:p14="http://schemas.microsoft.com/office/powerpoint/2010/main" val="2228940888"/>
       </p:ext>
     </p:extLst>
   </p:cSld>
@@ -4509,7 +4570,7 @@
     </p:spTree>
     <p:extLst>
       <p:ext uri="{BB962C8B-B14F-4D97-AF65-F5344CB8AC3E}">
-        <p14:creationId xmlns:p14="http://schemas.microsoft.com/office/powerpoint/2010/main" val="4149240291"/>
+        <p14:creationId xmlns:p14="http://schemas.microsoft.com/office/powerpoint/2010/main" val="54942494"/>
       </p:ext>
     </p:extLst>
   </p:cSld>
@@ -4549,7 +4610,7 @@
     </p:spTree>
     <p:extLst>
       <p:ext uri="{BB962C8B-B14F-4D97-AF65-F5344CB8AC3E}">
-        <p14:creationId xmlns:p14="http://schemas.microsoft.com/office/powerpoint/2010/main" val="2050912595"/>
+        <p14:creationId xmlns:p14="http://schemas.microsoft.com/office/powerpoint/2010/main" val="4149240291"/>
       </p:ext>
     </p:extLst>
   </p:cSld>
@@ -4589,7 +4650,7 @@
     </p:spTree>
     <p:extLst>
       <p:ext uri="{BB962C8B-B14F-4D97-AF65-F5344CB8AC3E}">
-        <p14:creationId xmlns:p14="http://schemas.microsoft.com/office/powerpoint/2010/main" val="1940025022"/>
+        <p14:creationId xmlns:p14="http://schemas.microsoft.com/office/powerpoint/2010/main" val="2050912595"/>
       </p:ext>
     </p:extLst>
   </p:cSld>
@@ -4629,7 +4690,7 @@
     </p:spTree>
     <p:extLst>
       <p:ext uri="{BB962C8B-B14F-4D97-AF65-F5344CB8AC3E}">
-        <p14:creationId xmlns:p14="http://schemas.microsoft.com/office/powerpoint/2010/main" val="1420559916"/>
+        <p14:creationId xmlns:p14="http://schemas.microsoft.com/office/powerpoint/2010/main" val="1940025022"/>
       </p:ext>
     </p:extLst>
   </p:cSld>
@@ -4669,7 +4730,7 @@
     </p:spTree>
     <p:extLst>
       <p:ext uri="{BB962C8B-B14F-4D97-AF65-F5344CB8AC3E}">
-        <p14:creationId xmlns:p14="http://schemas.microsoft.com/office/powerpoint/2010/main" val="3233057017"/>
+        <p14:creationId xmlns:p14="http://schemas.microsoft.com/office/powerpoint/2010/main" val="1420559916"/>
       </p:ext>
     </p:extLst>
   </p:cSld>
@@ -4706,6 +4767,30 @@
           <a:chExt cx="0" cy="0"/>
         </a:xfrm>
       </p:grpSpPr>
+      <p:pic>
+        <p:nvPicPr>
+          <p:cNvPr id="2" name="图片 1"/>
+          <p:cNvPicPr>
+            <a:picLocks noChangeAspect="1"/>
+          </p:cNvPicPr>
+          <p:nvPr/>
+        </p:nvPicPr>
+        <p:blipFill>
+          <a:blip r:embed="rId2"/>
+          <a:stretch>
+            <a:fillRect/>
+          </a:stretch>
+        </p:blipFill>
+        <p:spPr>
+          <a:xfrm>
+            <a:off x="0" y="0"/>
+            <a:ext cx="8343800" cy="5138057"/>
+          </a:xfrm>
+          <a:prstGeom prst="rect">
+            <a:avLst/>
+          </a:prstGeom>
+        </p:spPr>
+      </p:pic>
     </p:spTree>
     <p:extLst>
       <p:ext uri="{BB962C8B-B14F-4D97-AF65-F5344CB8AC3E}">
@@ -4749,7 +4834,7 @@
     </p:spTree>
     <p:extLst>
       <p:ext uri="{BB962C8B-B14F-4D97-AF65-F5344CB8AC3E}">
-        <p14:creationId xmlns:p14="http://schemas.microsoft.com/office/powerpoint/2010/main" val="1633197104"/>
+        <p14:creationId xmlns:p14="http://schemas.microsoft.com/office/powerpoint/2010/main" val="3233057017"/>
       </p:ext>
     </p:extLst>
   </p:cSld>
@@ -4789,7 +4874,7 @@
     </p:spTree>
     <p:extLst>
       <p:ext uri="{BB962C8B-B14F-4D97-AF65-F5344CB8AC3E}">
-        <p14:creationId xmlns:p14="http://schemas.microsoft.com/office/powerpoint/2010/main" val="1121456390"/>
+        <p14:creationId xmlns:p14="http://schemas.microsoft.com/office/powerpoint/2010/main" val="1633197104"/>
       </p:ext>
     </p:extLst>
   </p:cSld>
@@ -4829,7 +4914,7 @@
     </p:spTree>
     <p:extLst>
       <p:ext uri="{BB962C8B-B14F-4D97-AF65-F5344CB8AC3E}">
-        <p14:creationId xmlns:p14="http://schemas.microsoft.com/office/powerpoint/2010/main" val="227534435"/>
+        <p14:creationId xmlns:p14="http://schemas.microsoft.com/office/powerpoint/2010/main" val="1121456390"/>
       </p:ext>
     </p:extLst>
   </p:cSld>
@@ -4869,7 +4954,7 @@
     </p:spTree>
     <p:extLst>
       <p:ext uri="{BB962C8B-B14F-4D97-AF65-F5344CB8AC3E}">
-        <p14:creationId xmlns:p14="http://schemas.microsoft.com/office/powerpoint/2010/main" val="2324587695"/>
+        <p14:creationId xmlns:p14="http://schemas.microsoft.com/office/powerpoint/2010/main" val="227534435"/>
       </p:ext>
     </p:extLst>
   </p:cSld>
@@ -4909,7 +4994,7 @@
     </p:spTree>
     <p:extLst>
       <p:ext uri="{BB962C8B-B14F-4D97-AF65-F5344CB8AC3E}">
-        <p14:creationId xmlns:p14="http://schemas.microsoft.com/office/powerpoint/2010/main" val="1694869401"/>
+        <p14:creationId xmlns:p14="http://schemas.microsoft.com/office/powerpoint/2010/main" val="2324587695"/>
       </p:ext>
     </p:extLst>
   </p:cSld>
@@ -4949,7 +5034,7 @@
     </p:spTree>
     <p:extLst>
       <p:ext uri="{BB962C8B-B14F-4D97-AF65-F5344CB8AC3E}">
-        <p14:creationId xmlns:p14="http://schemas.microsoft.com/office/powerpoint/2010/main" val="387228273"/>
+        <p14:creationId xmlns:p14="http://schemas.microsoft.com/office/powerpoint/2010/main" val="1694869401"/>
       </p:ext>
     </p:extLst>
   </p:cSld>
@@ -4989,7 +5074,7 @@
     </p:spTree>
     <p:extLst>
       <p:ext uri="{BB962C8B-B14F-4D97-AF65-F5344CB8AC3E}">
-        <p14:creationId xmlns:p14="http://schemas.microsoft.com/office/powerpoint/2010/main" val="1676591801"/>
+        <p14:creationId xmlns:p14="http://schemas.microsoft.com/office/powerpoint/2010/main" val="387228273"/>
       </p:ext>
     </p:extLst>
   </p:cSld>
@@ -5029,7 +5114,7 @@
     </p:spTree>
     <p:extLst>
       <p:ext uri="{BB962C8B-B14F-4D97-AF65-F5344CB8AC3E}">
-        <p14:creationId xmlns:p14="http://schemas.microsoft.com/office/powerpoint/2010/main" val="1702282321"/>
+        <p14:creationId xmlns:p14="http://schemas.microsoft.com/office/powerpoint/2010/main" val="1676591801"/>
       </p:ext>
     </p:extLst>
   </p:cSld>
@@ -5069,7 +5154,7 @@
     </p:spTree>
     <p:extLst>
       <p:ext uri="{BB962C8B-B14F-4D97-AF65-F5344CB8AC3E}">
-        <p14:creationId xmlns:p14="http://schemas.microsoft.com/office/powerpoint/2010/main" val="563534835"/>
+        <p14:creationId xmlns:p14="http://schemas.microsoft.com/office/powerpoint/2010/main" val="1702282321"/>
       </p:ext>
     </p:extLst>
   </p:cSld>
@@ -5109,7 +5194,7 @@
     </p:spTree>
     <p:extLst>
       <p:ext uri="{BB962C8B-B14F-4D97-AF65-F5344CB8AC3E}">
-        <p14:creationId xmlns:p14="http://schemas.microsoft.com/office/powerpoint/2010/main" val="1670873071"/>
+        <p14:creationId xmlns:p14="http://schemas.microsoft.com/office/powerpoint/2010/main" val="563534835"/>
       </p:ext>
     </p:extLst>
   </p:cSld>
@@ -5146,6 +5231,30 @@
           <a:chExt cx="0" cy="0"/>
         </a:xfrm>
       </p:grpSpPr>
+      <p:pic>
+        <p:nvPicPr>
+          <p:cNvPr id="2" name="图片 1"/>
+          <p:cNvPicPr>
+            <a:picLocks noChangeAspect="1"/>
+          </p:cNvPicPr>
+          <p:nvPr/>
+        </p:nvPicPr>
+        <p:blipFill>
+          <a:blip r:embed="rId2"/>
+          <a:stretch>
+            <a:fillRect/>
+          </a:stretch>
+        </p:blipFill>
+        <p:spPr>
+          <a:xfrm>
+            <a:off x="6068191" y="0"/>
+            <a:ext cx="6123809" cy="4609524"/>
+          </a:xfrm>
+          <a:prstGeom prst="rect">
+            <a:avLst/>
+          </a:prstGeom>
+        </p:spPr>
+      </p:pic>
     </p:spTree>
     <p:extLst>
       <p:ext uri="{BB962C8B-B14F-4D97-AF65-F5344CB8AC3E}">
@@ -5189,7 +5298,7 @@
     </p:spTree>
     <p:extLst>
       <p:ext uri="{BB962C8B-B14F-4D97-AF65-F5344CB8AC3E}">
-        <p14:creationId xmlns:p14="http://schemas.microsoft.com/office/powerpoint/2010/main" val="3415754181"/>
+        <p14:creationId xmlns:p14="http://schemas.microsoft.com/office/powerpoint/2010/main" val="1670873071"/>
       </p:ext>
     </p:extLst>
   </p:cSld>
@@ -5229,7 +5338,7 @@
     </p:spTree>
     <p:extLst>
       <p:ext uri="{BB962C8B-B14F-4D97-AF65-F5344CB8AC3E}">
-        <p14:creationId xmlns:p14="http://schemas.microsoft.com/office/powerpoint/2010/main" val="1931858033"/>
+        <p14:creationId xmlns:p14="http://schemas.microsoft.com/office/powerpoint/2010/main" val="3415754181"/>
       </p:ext>
     </p:extLst>
   </p:cSld>
@@ -5269,7 +5378,7 @@
     </p:spTree>
     <p:extLst>
       <p:ext uri="{BB962C8B-B14F-4D97-AF65-F5344CB8AC3E}">
-        <p14:creationId xmlns:p14="http://schemas.microsoft.com/office/powerpoint/2010/main" val="3420529270"/>
+        <p14:creationId xmlns:p14="http://schemas.microsoft.com/office/powerpoint/2010/main" val="1931858033"/>
       </p:ext>
     </p:extLst>
   </p:cSld>
@@ -5309,7 +5418,7 @@
     </p:spTree>
     <p:extLst>
       <p:ext uri="{BB962C8B-B14F-4D97-AF65-F5344CB8AC3E}">
-        <p14:creationId xmlns:p14="http://schemas.microsoft.com/office/powerpoint/2010/main" val="3730978629"/>
+        <p14:creationId xmlns:p14="http://schemas.microsoft.com/office/powerpoint/2010/main" val="3420529270"/>
       </p:ext>
     </p:extLst>
   </p:cSld>
@@ -5349,7 +5458,7 @@
     </p:spTree>
     <p:extLst>
       <p:ext uri="{BB962C8B-B14F-4D97-AF65-F5344CB8AC3E}">
-        <p14:creationId xmlns:p14="http://schemas.microsoft.com/office/powerpoint/2010/main" val="1252128953"/>
+        <p14:creationId xmlns:p14="http://schemas.microsoft.com/office/powerpoint/2010/main" val="3730978629"/>
       </p:ext>
     </p:extLst>
   </p:cSld>
@@ -5389,6 +5498,46 @@
     </p:spTree>
     <p:extLst>
       <p:ext uri="{BB962C8B-B14F-4D97-AF65-F5344CB8AC3E}">
+        <p14:creationId xmlns:p14="http://schemas.microsoft.com/office/powerpoint/2010/main" val="1252128953"/>
+      </p:ext>
+    </p:extLst>
+  </p:cSld>
+  <p:clrMapOvr>
+    <a:masterClrMapping/>
+  </p:clrMapOvr>
+</p:sld>
+</file>
+
+<file path=ppt/slides/slide46.xml><?xml version="1.0" encoding="utf-8"?>
+<p:sld xmlns:a="http://schemas.openxmlformats.org/drawingml/2006/main" xmlns:r="http://schemas.openxmlformats.org/officeDocument/2006/relationships" xmlns:p="http://schemas.openxmlformats.org/presentationml/2006/main">
+  <p:cSld>
+    <p:bg>
+      <p:bgPr>
+        <a:solidFill>
+          <a:schemeClr val="accent1">
+            <a:lumMod val="75000"/>
+          </a:schemeClr>
+        </a:solidFill>
+        <a:effectLst/>
+      </p:bgPr>
+    </p:bg>
+    <p:spTree>
+      <p:nvGrpSpPr>
+        <p:cNvPr id="1" name=""/>
+        <p:cNvGrpSpPr/>
+        <p:nvPr/>
+      </p:nvGrpSpPr>
+      <p:grpSpPr>
+        <a:xfrm>
+          <a:off x="0" y="0"/>
+          <a:ext cx="0" cy="0"/>
+          <a:chOff x="0" y="0"/>
+          <a:chExt cx="0" cy="0"/>
+        </a:xfrm>
+      </p:grpSpPr>
+    </p:spTree>
+    <p:extLst>
+      <p:ext uri="{BB962C8B-B14F-4D97-AF65-F5344CB8AC3E}">
         <p14:creationId xmlns:p14="http://schemas.microsoft.com/office/powerpoint/2010/main" val="3943797563"/>
       </p:ext>
     </p:extLst>
@@ -5399,7 +5548,7 @@
 </p:sld>
 </file>
 
-<file path=ppt/slides/slide46.xml><?xml version="1.0" encoding="utf-8"?>
+<file path=ppt/slides/slide47.xml><?xml version="1.0" encoding="utf-8"?>
 <p:sld xmlns:a="http://schemas.openxmlformats.org/drawingml/2006/main" xmlns:r="http://schemas.openxmlformats.org/officeDocument/2006/relationships" xmlns:p="http://schemas.openxmlformats.org/presentationml/2006/main">
   <p:cSld>
     <p:bg>
@@ -5506,6 +5655,244 @@
           <a:chExt cx="0" cy="0"/>
         </a:xfrm>
       </p:grpSpPr>
+      <p:sp useBgFill="1">
+        <p:nvSpPr>
+          <p:cNvPr id="2" name="矩形 1"/>
+          <p:cNvSpPr/>
+          <p:nvPr/>
+        </p:nvSpPr>
+        <p:spPr>
+          <a:xfrm>
+            <a:off x="166746" y="824407"/>
+            <a:ext cx="184731" cy="369332"/>
+          </a:xfrm>
+          <a:prstGeom prst="rect">
+            <a:avLst/>
+          </a:prstGeom>
+        </p:spPr>
+        <p:txBody>
+          <a:bodyPr wrap="none">
+            <a:spAutoFit/>
+          </a:bodyPr>
+          <a:lstStyle/>
+          <a:p>
+            <a:endParaRPr lang="zh-CN" altLang="en-US"/>
+          </a:p>
+        </p:txBody>
+      </p:sp>
+      <p:pic>
+        <p:nvPicPr>
+          <p:cNvPr id="3" name="图片 2"/>
+          <p:cNvPicPr>
+            <a:picLocks noChangeAspect="1"/>
+          </p:cNvPicPr>
+          <p:nvPr/>
+        </p:nvPicPr>
+        <p:blipFill>
+          <a:blip r:embed="rId2"/>
+          <a:stretch>
+            <a:fillRect/>
+          </a:stretch>
+        </p:blipFill>
+        <p:spPr>
+          <a:xfrm>
+            <a:off x="1957087" y="676564"/>
+            <a:ext cx="2838095" cy="1533333"/>
+          </a:xfrm>
+          <a:prstGeom prst="rect">
+            <a:avLst/>
+          </a:prstGeom>
+        </p:spPr>
+      </p:pic>
+      <p:sp>
+        <p:nvSpPr>
+          <p:cNvPr id="6" name="Rectangle 2"/>
+          <p:cNvSpPr>
+            <a:spLocks noChangeArrowheads="1"/>
+          </p:cNvSpPr>
+          <p:nvPr/>
+        </p:nvSpPr>
+        <p:spPr bwMode="auto">
+          <a:xfrm>
+            <a:off x="166745" y="145534"/>
+            <a:ext cx="6418781" cy="369332"/>
+          </a:xfrm>
+          <a:prstGeom prst="rect">
+            <a:avLst/>
+          </a:prstGeom>
+          <a:noFill/>
+          <a:ln>
+            <a:noFill/>
+          </a:ln>
+          <a:effectLst/>
+          <a:extLst>
+            <a:ext uri="{909E8E84-426E-40DD-AFC4-6F175D3DCCD1}">
+              <a14:hiddenFill xmlns:a14="http://schemas.microsoft.com/office/drawing/2010/main">
+                <a:solidFill>
+                  <a:schemeClr val="accent1"/>
+                </a:solidFill>
+              </a14:hiddenFill>
+            </a:ext>
+            <a:ext uri="{91240B29-F687-4F45-9708-019B960494DF}">
+              <a14:hiddenLine xmlns:a14="http://schemas.microsoft.com/office/drawing/2010/main" w="9525">
+                <a:solidFill>
+                  <a:schemeClr val="tx1"/>
+                </a:solidFill>
+                <a:miter lim="800000"/>
+                <a:headEnd/>
+                <a:tailEnd/>
+              </a14:hiddenLine>
+            </a:ext>
+            <a:ext uri="{AF507438-7753-43E0-B8FC-AC1667EBCBE1}">
+              <a14:hiddenEffects xmlns:a14="http://schemas.microsoft.com/office/drawing/2010/main">
+                <a:effectLst>
+                  <a:outerShdw dist="35921" dir="2700000" algn="ctr" rotWithShape="0">
+                    <a:schemeClr val="bg2"/>
+                  </a:outerShdw>
+                </a:effectLst>
+              </a14:hiddenEffects>
+            </a:ext>
+          </a:extLst>
+        </p:spPr>
+        <p:txBody>
+          <a:bodyPr vert="horz" wrap="square" lIns="91440" tIns="45720" rIns="91440" bIns="45720" numCol="1" anchor="ctr" anchorCtr="0" compatLnSpc="1">
+            <a:prstTxWarp prst="textNoShape">
+              <a:avLst/>
+            </a:prstTxWarp>
+            <a:spAutoFit/>
+          </a:bodyPr>
+          <a:lstStyle/>
+          <a:p>
+            <a:pPr marL="0" marR="0" lvl="0" indent="0" algn="l" defTabSz="914400" rtl="0" eaLnBrk="0" fontAlgn="base" latinLnBrk="0" hangingPunct="0">
+              <a:lnSpc>
+                <a:spcPct val="100000"/>
+              </a:lnSpc>
+              <a:spcBef>
+                <a:spcPct val="0"/>
+              </a:spcBef>
+              <a:spcAft>
+                <a:spcPct val="0"/>
+              </a:spcAft>
+              <a:buClrTx/>
+              <a:buSzTx/>
+              <a:buFontTx/>
+              <a:buNone/>
+              <a:tabLst/>
+            </a:pPr>
+            <a:r>
+              <a:rPr kumimoji="0" lang="zh-CN" altLang="zh-CN" b="0" i="0" u="none" strike="noStrike" cap="none" normalizeH="0" baseline="0" smtClean="0">
+                <a:ln>
+                  <a:noFill/>
+                </a:ln>
+                <a:solidFill>
+                  <a:schemeClr val="tx1"/>
+                </a:solidFill>
+                <a:effectLst/>
+                <a:latin typeface="微软雅黑" panose="020B0503020204020204" pitchFamily="34" charset="-122"/>
+                <a:ea typeface="微软雅黑" panose="020B0503020204020204" pitchFamily="34" charset="-122"/>
+              </a:rPr>
+              <a:t>Future 表示异步计算的结果</a:t>
+            </a:r>
+          </a:p>
+        </p:txBody>
+      </p:sp>
+      <p:pic>
+        <p:nvPicPr>
+          <p:cNvPr id="7" name="图片 6"/>
+          <p:cNvPicPr>
+            <a:picLocks noChangeAspect="1"/>
+          </p:cNvPicPr>
+          <p:nvPr/>
+        </p:nvPicPr>
+        <p:blipFill>
+          <a:blip r:embed="rId3"/>
+          <a:stretch>
+            <a:fillRect/>
+          </a:stretch>
+        </p:blipFill>
+        <p:spPr>
+          <a:xfrm>
+            <a:off x="7048800" y="1193739"/>
+            <a:ext cx="4800000" cy="5114286"/>
+          </a:xfrm>
+          <a:prstGeom prst="rect">
+            <a:avLst/>
+          </a:prstGeom>
+        </p:spPr>
+      </p:pic>
+      <p:sp>
+        <p:nvSpPr>
+          <p:cNvPr id="8" name="文本框 7"/>
+          <p:cNvSpPr txBox="1"/>
+          <p:nvPr/>
+        </p:nvSpPr>
+        <p:spPr>
+          <a:xfrm>
+            <a:off x="6585526" y="484971"/>
+            <a:ext cx="3273845" cy="369332"/>
+          </a:xfrm>
+          <a:prstGeom prst="rect">
+            <a:avLst/>
+          </a:prstGeom>
+          <a:noFill/>
+        </p:spPr>
+        <p:txBody>
+          <a:bodyPr wrap="none" rtlCol="0">
+            <a:spAutoFit/>
+          </a:bodyPr>
+          <a:lstStyle/>
+          <a:p>
+            <a:pPr eaLnBrk="0" fontAlgn="base" hangingPunct="0">
+              <a:spcBef>
+                <a:spcPct val="0"/>
+              </a:spcBef>
+              <a:spcAft>
+                <a:spcPct val="0"/>
+              </a:spcAft>
+            </a:pPr>
+            <a:r>
+              <a:rPr lang="zh-CN" altLang="zh-CN">
+                <a:solidFill>
+                  <a:srgbClr val="FF0000"/>
+                </a:solidFill>
+                <a:latin typeface="微软雅黑" panose="020B0503020204020204" pitchFamily="34" charset="-122"/>
+                <a:ea typeface="微软雅黑" panose="020B0503020204020204" pitchFamily="34" charset="-122"/>
+              </a:rPr>
+              <a:t>Future </a:t>
+            </a:r>
+            <a:r>
+              <a:rPr lang="zh-CN" altLang="en-US">
+                <a:solidFill>
+                  <a:srgbClr val="FF0000"/>
+                </a:solidFill>
+                <a:latin typeface="微软雅黑" panose="020B0503020204020204" pitchFamily="34" charset="-122"/>
+                <a:ea typeface="微软雅黑" panose="020B0503020204020204" pitchFamily="34" charset="-122"/>
+              </a:rPr>
+              <a:t>在</a:t>
+            </a:r>
+            <a:r>
+              <a:rPr lang="en-US" altLang="zh-CN">
+                <a:solidFill>
+                  <a:srgbClr val="FF0000"/>
+                </a:solidFill>
+                <a:latin typeface="微软雅黑" panose="020B0503020204020204" pitchFamily="34" charset="-122"/>
+                <a:ea typeface="微软雅黑" panose="020B0503020204020204" pitchFamily="34" charset="-122"/>
+              </a:rPr>
+              <a:t>Java</a:t>
+            </a:r>
+            <a:r>
+              <a:rPr lang="zh-CN" altLang="en-US">
+                <a:solidFill>
+                  <a:srgbClr val="FF0000"/>
+                </a:solidFill>
+                <a:latin typeface="微软雅黑" panose="020B0503020204020204" pitchFamily="34" charset="-122"/>
+                <a:ea typeface="微软雅黑" panose="020B0503020204020204" pitchFamily="34" charset="-122"/>
+              </a:rPr>
+              <a:t>中的继承关系：</a:t>
+            </a:r>
+          </a:p>
+        </p:txBody>
+      </p:sp>
     </p:spTree>
     <p:extLst>
       <p:ext uri="{BB962C8B-B14F-4D97-AF65-F5344CB8AC3E}">
@@ -5546,10 +5933,534 @@
           <a:chExt cx="0" cy="0"/>
         </a:xfrm>
       </p:grpSpPr>
+      <p:sp>
+        <p:nvSpPr>
+          <p:cNvPr id="2" name="文本框 1"/>
+          <p:cNvSpPr txBox="1"/>
+          <p:nvPr/>
+        </p:nvSpPr>
+        <p:spPr>
+          <a:xfrm>
+            <a:off x="0" y="138545"/>
+            <a:ext cx="12171922" cy="646331"/>
+          </a:xfrm>
+          <a:prstGeom prst="rect">
+            <a:avLst/>
+          </a:prstGeom>
+          <a:noFill/>
+        </p:spPr>
+        <p:txBody>
+          <a:bodyPr wrap="none" rtlCol="0">
+            <a:spAutoFit/>
+          </a:bodyPr>
+          <a:lstStyle/>
+          <a:p>
+            <a:r>
+              <a:rPr lang="zh-CN" altLang="en-US" smtClean="0"/>
+              <a:t>问题引出：线程池可以提交实现</a:t>
+            </a:r>
+            <a:r>
+              <a:rPr lang="en-US" altLang="zh-CN" smtClean="0"/>
+              <a:t>Runnable</a:t>
+            </a:r>
+            <a:r>
+              <a:rPr lang="zh-CN" altLang="en-US" smtClean="0"/>
+              <a:t>接口或者</a:t>
+            </a:r>
+            <a:r>
+              <a:rPr lang="en-US" altLang="zh-CN" smtClean="0"/>
+              <a:t>Callable</a:t>
+            </a:r>
+            <a:r>
+              <a:rPr lang="zh-CN" altLang="en-US" smtClean="0"/>
+              <a:t>接口的任务，然后还可以异步获取结果，我们知道</a:t>
+            </a:r>
+            <a:r>
+              <a:rPr lang="en-US" altLang="zh-CN" smtClean="0"/>
+              <a:t>Runnable</a:t>
+            </a:r>
+            <a:r>
+              <a:rPr lang="zh-CN" altLang="en-US" smtClean="0"/>
+              <a:t>是</a:t>
+            </a:r>
+            <a:endParaRPr lang="en-US" altLang="zh-CN" smtClean="0"/>
+          </a:p>
+          <a:p>
+            <a:r>
+              <a:rPr lang="zh-CN" altLang="en-US" smtClean="0"/>
+              <a:t>没有返回值的，那么结果如何返回的呢</a:t>
+            </a:r>
+            <a:r>
+              <a:rPr lang="en-US" altLang="zh-CN"/>
+              <a:t>?</a:t>
+            </a:r>
+            <a:endParaRPr lang="zh-CN" altLang="en-US"/>
+          </a:p>
+        </p:txBody>
+      </p:sp>
+      <p:pic>
+        <p:nvPicPr>
+          <p:cNvPr id="3" name="图片 2"/>
+          <p:cNvPicPr>
+            <a:picLocks noChangeAspect="1"/>
+          </p:cNvPicPr>
+          <p:nvPr/>
+        </p:nvPicPr>
+        <p:blipFill>
+          <a:blip r:embed="rId2"/>
+          <a:stretch>
+            <a:fillRect/>
+          </a:stretch>
+        </p:blipFill>
+        <p:spPr>
+          <a:xfrm>
+            <a:off x="175491" y="1635260"/>
+            <a:ext cx="5406627" cy="1160883"/>
+          </a:xfrm>
+          <a:prstGeom prst="rect">
+            <a:avLst/>
+          </a:prstGeom>
+        </p:spPr>
+      </p:pic>
+      <p:pic>
+        <p:nvPicPr>
+          <p:cNvPr id="4" name="图片 3"/>
+          <p:cNvPicPr>
+            <a:picLocks noChangeAspect="1"/>
+          </p:cNvPicPr>
+          <p:nvPr/>
+        </p:nvPicPr>
+        <p:blipFill>
+          <a:blip r:embed="rId3"/>
+          <a:stretch>
+            <a:fillRect/>
+          </a:stretch>
+        </p:blipFill>
+        <p:spPr>
+          <a:xfrm>
+            <a:off x="175491" y="2796143"/>
+            <a:ext cx="5406627" cy="1224939"/>
+          </a:xfrm>
+          <a:prstGeom prst="rect">
+            <a:avLst/>
+          </a:prstGeom>
+        </p:spPr>
+      </p:pic>
+      <p:sp>
+        <p:nvSpPr>
+          <p:cNvPr id="5" name="文本框 4"/>
+          <p:cNvSpPr txBox="1"/>
+          <p:nvPr/>
+        </p:nvSpPr>
+        <p:spPr>
+          <a:xfrm>
+            <a:off x="175491" y="960582"/>
+            <a:ext cx="12165253" cy="646331"/>
+          </a:xfrm>
+          <a:prstGeom prst="rect">
+            <a:avLst/>
+          </a:prstGeom>
+          <a:noFill/>
+        </p:spPr>
+        <p:txBody>
+          <a:bodyPr wrap="none" rtlCol="0">
+            <a:spAutoFit/>
+          </a:bodyPr>
+          <a:lstStyle/>
+          <a:p>
+            <a:r>
+              <a:rPr lang="zh-CN" altLang="en-US" smtClean="0">
+                <a:solidFill>
+                  <a:srgbClr val="FF0000"/>
+                </a:solidFill>
+              </a:rPr>
+              <a:t>如下是</a:t>
+            </a:r>
+            <a:r>
+              <a:rPr lang="en-US" altLang="zh-CN" smtClean="0">
+                <a:solidFill>
+                  <a:srgbClr val="FF0000"/>
+                </a:solidFill>
+              </a:rPr>
+              <a:t>AbstractExecutorService</a:t>
+            </a:r>
+            <a:r>
+              <a:rPr lang="zh-CN" altLang="en-US" smtClean="0">
+                <a:solidFill>
+                  <a:srgbClr val="FF0000"/>
+                </a:solidFill>
+              </a:rPr>
+              <a:t>中实现提交任务的方法实现，我们可以看到无论提交的是</a:t>
+            </a:r>
+            <a:r>
+              <a:rPr lang="en-US" altLang="zh-CN" smtClean="0">
+                <a:solidFill>
+                  <a:srgbClr val="FF0000"/>
+                </a:solidFill>
+              </a:rPr>
+              <a:t>Runnable</a:t>
+            </a:r>
+            <a:r>
+              <a:rPr lang="zh-CN" altLang="en-US" smtClean="0">
+                <a:solidFill>
+                  <a:srgbClr val="FF0000"/>
+                </a:solidFill>
+              </a:rPr>
+              <a:t>还是</a:t>
+            </a:r>
+            <a:r>
+              <a:rPr lang="en-US" altLang="zh-CN" smtClean="0">
+                <a:solidFill>
+                  <a:srgbClr val="FF0000"/>
+                </a:solidFill>
+              </a:rPr>
+              <a:t>Callable</a:t>
+            </a:r>
+            <a:r>
+              <a:rPr lang="zh-CN" altLang="en-US" smtClean="0">
+                <a:solidFill>
+                  <a:srgbClr val="FF0000"/>
+                </a:solidFill>
+              </a:rPr>
+              <a:t>任务，都在</a:t>
+            </a:r>
+            <a:endParaRPr lang="en-US" altLang="zh-CN" smtClean="0">
+              <a:solidFill>
+                <a:srgbClr val="FF0000"/>
+              </a:solidFill>
+            </a:endParaRPr>
+          </a:p>
+          <a:p>
+            <a:r>
+              <a:rPr lang="zh-CN" altLang="en-US" smtClean="0">
+                <a:solidFill>
+                  <a:srgbClr val="FF0000"/>
+                </a:solidFill>
+              </a:rPr>
+              <a:t>在实现体中调用</a:t>
+            </a:r>
+            <a:r>
+              <a:rPr lang="en-US" altLang="zh-CN" smtClean="0">
+                <a:solidFill>
+                  <a:srgbClr val="FF0000"/>
+                </a:solidFill>
+              </a:rPr>
+              <a:t>newTaskFor</a:t>
+            </a:r>
+            <a:r>
+              <a:rPr lang="zh-CN" altLang="en-US" smtClean="0">
+                <a:solidFill>
+                  <a:srgbClr val="FF0000"/>
+                </a:solidFill>
+              </a:rPr>
+              <a:t>方法转成</a:t>
+            </a:r>
+            <a:r>
+              <a:rPr lang="en-US" altLang="zh-CN" smtClean="0">
+                <a:solidFill>
+                  <a:srgbClr val="FF0000"/>
+                </a:solidFill>
+              </a:rPr>
+              <a:t>RunnableFuture</a:t>
+            </a:r>
+            <a:r>
+              <a:rPr lang="zh-CN" altLang="en-US" smtClean="0">
+                <a:solidFill>
+                  <a:srgbClr val="FF0000"/>
+                </a:solidFill>
+              </a:rPr>
+              <a:t>任务，那么</a:t>
+            </a:r>
+            <a:r>
+              <a:rPr lang="en-US" altLang="zh-CN" smtClean="0">
+                <a:solidFill>
+                  <a:srgbClr val="FF0000"/>
+                </a:solidFill>
+              </a:rPr>
+              <a:t>RunnableFuture</a:t>
+            </a:r>
+            <a:r>
+              <a:rPr lang="zh-CN" altLang="en-US" smtClean="0">
+                <a:solidFill>
+                  <a:srgbClr val="FF0000"/>
+                </a:solidFill>
+              </a:rPr>
+              <a:t>是什么呢？</a:t>
+            </a:r>
+            <a:endParaRPr lang="en-US" altLang="zh-CN" smtClean="0">
+              <a:solidFill>
+                <a:srgbClr val="FF0000"/>
+              </a:solidFill>
+            </a:endParaRPr>
+          </a:p>
+        </p:txBody>
+      </p:sp>
+      <p:pic>
+        <p:nvPicPr>
+          <p:cNvPr id="6" name="图片 5"/>
+          <p:cNvPicPr>
+            <a:picLocks noChangeAspect="1"/>
+          </p:cNvPicPr>
+          <p:nvPr/>
+        </p:nvPicPr>
+        <p:blipFill>
+          <a:blip r:embed="rId4"/>
+          <a:stretch>
+            <a:fillRect/>
+          </a:stretch>
+        </p:blipFill>
+        <p:spPr>
+          <a:xfrm>
+            <a:off x="276289" y="5367033"/>
+            <a:ext cx="5689600" cy="1292375"/>
+          </a:xfrm>
+          <a:prstGeom prst="rect">
+            <a:avLst/>
+          </a:prstGeom>
+        </p:spPr>
+      </p:pic>
+      <p:sp>
+        <p:nvSpPr>
+          <p:cNvPr id="10" name="文本框 9"/>
+          <p:cNvSpPr txBox="1"/>
+          <p:nvPr/>
+        </p:nvSpPr>
+        <p:spPr>
+          <a:xfrm>
+            <a:off x="1265382" y="4405745"/>
+            <a:ext cx="2387385" cy="369332"/>
+          </a:xfrm>
+          <a:prstGeom prst="rect">
+            <a:avLst/>
+          </a:prstGeom>
+          <a:noFill/>
+        </p:spPr>
+        <p:txBody>
+          <a:bodyPr wrap="none" rtlCol="0">
+            <a:spAutoFit/>
+          </a:bodyPr>
+          <a:lstStyle/>
+          <a:p>
+            <a:r>
+              <a:rPr lang="en-US" altLang="zh-CN" smtClean="0"/>
+              <a:t>RunnableFuture</a:t>
+            </a:r>
+            <a:r>
+              <a:rPr lang="zh-CN" altLang="en-US" smtClean="0"/>
+              <a:t>声明：</a:t>
+            </a:r>
+            <a:endParaRPr lang="en-US" altLang="zh-CN" smtClean="0"/>
+          </a:p>
+        </p:txBody>
+      </p:sp>
+      <p:pic>
+        <p:nvPicPr>
+          <p:cNvPr id="11" name="图片 10"/>
+          <p:cNvPicPr>
+            <a:picLocks noChangeAspect="1"/>
+          </p:cNvPicPr>
+          <p:nvPr/>
+        </p:nvPicPr>
+        <p:blipFill>
+          <a:blip r:embed="rId5"/>
+          <a:stretch>
+            <a:fillRect/>
+          </a:stretch>
+        </p:blipFill>
+        <p:spPr>
+          <a:xfrm>
+            <a:off x="6085961" y="2634468"/>
+            <a:ext cx="5439799" cy="656794"/>
+          </a:xfrm>
+          <a:prstGeom prst="rect">
+            <a:avLst/>
+          </a:prstGeom>
+        </p:spPr>
+      </p:pic>
+      <p:sp>
+        <p:nvSpPr>
+          <p:cNvPr id="12" name="文本框 11"/>
+          <p:cNvSpPr txBox="1"/>
+          <p:nvPr/>
+        </p:nvSpPr>
+        <p:spPr>
+          <a:xfrm>
+            <a:off x="6085961" y="2016862"/>
+            <a:ext cx="1981761" cy="369332"/>
+          </a:xfrm>
+          <a:prstGeom prst="rect">
+            <a:avLst/>
+          </a:prstGeom>
+          <a:noFill/>
+        </p:spPr>
+        <p:txBody>
+          <a:bodyPr wrap="none" rtlCol="0">
+            <a:spAutoFit/>
+          </a:bodyPr>
+          <a:lstStyle/>
+          <a:p>
+            <a:r>
+              <a:rPr lang="en-US" altLang="zh-CN" smtClean="0">
+                <a:solidFill>
+                  <a:srgbClr val="FF0000"/>
+                </a:solidFill>
+              </a:rPr>
+              <a:t>newTaskFor</a:t>
+            </a:r>
+            <a:r>
+              <a:rPr lang="zh-CN" altLang="en-US" smtClean="0">
+                <a:solidFill>
+                  <a:srgbClr val="FF0000"/>
+                </a:solidFill>
+              </a:rPr>
+              <a:t>实现</a:t>
+            </a:r>
+            <a:r>
+              <a:rPr lang="zh-CN" altLang="en-US">
+                <a:solidFill>
+                  <a:srgbClr val="FF0000"/>
+                </a:solidFill>
+              </a:rPr>
+              <a:t>：</a:t>
+            </a:r>
+            <a:endParaRPr lang="zh-CN" altLang="en-US"/>
+          </a:p>
+        </p:txBody>
+      </p:sp>
+      <p:pic>
+        <p:nvPicPr>
+          <p:cNvPr id="13" name="图片 12"/>
+          <p:cNvPicPr>
+            <a:picLocks noChangeAspect="1"/>
+          </p:cNvPicPr>
+          <p:nvPr/>
+        </p:nvPicPr>
+        <p:blipFill>
+          <a:blip r:embed="rId6"/>
+          <a:stretch>
+            <a:fillRect/>
+          </a:stretch>
+        </p:blipFill>
+        <p:spPr>
+          <a:xfrm>
+            <a:off x="6085961" y="4100164"/>
+            <a:ext cx="5435526" cy="311874"/>
+          </a:xfrm>
+          <a:prstGeom prst="rect">
+            <a:avLst/>
+          </a:prstGeom>
+        </p:spPr>
+      </p:pic>
+      <p:sp>
+        <p:nvSpPr>
+          <p:cNvPr id="15" name="下箭头 14"/>
+          <p:cNvSpPr/>
+          <p:nvPr/>
+        </p:nvSpPr>
+        <p:spPr>
+          <a:xfrm>
+            <a:off x="8805860" y="3359914"/>
+            <a:ext cx="452582" cy="695653"/>
+          </a:xfrm>
+          <a:prstGeom prst="downArrow">
+            <a:avLst/>
+          </a:prstGeom>
+          <a:solidFill>
+            <a:srgbClr val="00B050"/>
+          </a:solidFill>
+        </p:spPr>
+        <p:style>
+          <a:lnRef idx="2">
+            <a:schemeClr val="accent1">
+              <a:shade val="50000"/>
+            </a:schemeClr>
+          </a:lnRef>
+          <a:fillRef idx="1">
+            <a:schemeClr val="accent1"/>
+          </a:fillRef>
+          <a:effectRef idx="0">
+            <a:schemeClr val="accent1"/>
+          </a:effectRef>
+          <a:fontRef idx="minor">
+            <a:schemeClr val="lt1"/>
+          </a:fontRef>
+        </p:style>
+        <p:txBody>
+          <a:bodyPr rtlCol="0" anchor="ctr"/>
+          <a:lstStyle/>
+          <a:p>
+            <a:pPr algn="ctr"/>
+            <a:endParaRPr lang="zh-CN" altLang="en-US"/>
+          </a:p>
+        </p:txBody>
+      </p:sp>
+      <p:sp>
+        <p:nvSpPr>
+          <p:cNvPr id="18" name="矩形 17"/>
+          <p:cNvSpPr/>
+          <p:nvPr/>
+        </p:nvSpPr>
+        <p:spPr>
+          <a:xfrm>
+            <a:off x="6482911" y="4674271"/>
+            <a:ext cx="4895699" cy="923330"/>
+          </a:xfrm>
+          <a:prstGeom prst="rect">
+            <a:avLst/>
+          </a:prstGeom>
+        </p:spPr>
+        <p:txBody>
+          <a:bodyPr wrap="none">
+            <a:spAutoFit/>
+          </a:bodyPr>
+          <a:lstStyle/>
+          <a:p>
+            <a:r>
+              <a:rPr lang="en-US" altLang="zh-CN" smtClean="0"/>
+              <a:t>FutureTask</a:t>
+            </a:r>
+            <a:r>
+              <a:rPr lang="zh-CN" altLang="en-US" smtClean="0"/>
+              <a:t>中的成员</a:t>
+            </a:r>
+            <a:r>
+              <a:rPr lang="en-US" altLang="zh-CN" smtClean="0"/>
+              <a:t>outcome </a:t>
+            </a:r>
+            <a:r>
+              <a:rPr lang="zh-CN" altLang="en-US" smtClean="0"/>
+              <a:t>就是存储任务计算</a:t>
+            </a:r>
+            <a:endParaRPr lang="en-US" altLang="zh-CN" smtClean="0"/>
+          </a:p>
+          <a:p>
+            <a:r>
+              <a:rPr lang="zh-CN" altLang="en-US" smtClean="0"/>
+              <a:t>结果的，提交任务之后返回</a:t>
+            </a:r>
+            <a:r>
+              <a:rPr lang="en-US" altLang="zh-CN" smtClean="0"/>
+              <a:t>FutureTask</a:t>
+            </a:r>
+            <a:r>
+              <a:rPr lang="zh-CN" altLang="en-US" smtClean="0"/>
+              <a:t>，通过其</a:t>
+            </a:r>
+            <a:endParaRPr lang="en-US" altLang="zh-CN" smtClean="0"/>
+          </a:p>
+          <a:p>
+            <a:r>
+              <a:rPr lang="zh-CN" altLang="en-US" smtClean="0"/>
+              <a:t>获取结果</a:t>
+            </a:r>
+            <a:endParaRPr lang="en-US" altLang="zh-CN" smtClean="0"/>
+          </a:p>
+        </p:txBody>
+      </p:sp>
     </p:spTree>
     <p:extLst>
       <p:ext uri="{BB962C8B-B14F-4D97-AF65-F5344CB8AC3E}">
-        <p14:creationId xmlns:p14="http://schemas.microsoft.com/office/powerpoint/2010/main" val="3992158036"/>
+        <p14:creationId xmlns:p14="http://schemas.microsoft.com/office/powerpoint/2010/main" val="2712662953"/>
       </p:ext>
     </p:extLst>
   </p:cSld>
@@ -5586,10 +6497,68 @@
           <a:chExt cx="0" cy="0"/>
         </a:xfrm>
       </p:grpSpPr>
+      <p:pic>
+        <p:nvPicPr>
+          <p:cNvPr id="2" name="图片 1"/>
+          <p:cNvPicPr>
+            <a:picLocks noChangeAspect="1"/>
+          </p:cNvPicPr>
+          <p:nvPr/>
+        </p:nvPicPr>
+        <p:blipFill>
+          <a:blip r:embed="rId2"/>
+          <a:stretch>
+            <a:fillRect/>
+          </a:stretch>
+        </p:blipFill>
+        <p:spPr>
+          <a:xfrm>
+            <a:off x="155719" y="634904"/>
+            <a:ext cx="5681664" cy="3766223"/>
+          </a:xfrm>
+          <a:prstGeom prst="rect">
+            <a:avLst/>
+          </a:prstGeom>
+        </p:spPr>
+      </p:pic>
+      <p:sp>
+        <p:nvSpPr>
+          <p:cNvPr id="3" name="文本框 2"/>
+          <p:cNvSpPr txBox="1"/>
+          <p:nvPr/>
+        </p:nvSpPr>
+        <p:spPr>
+          <a:xfrm>
+            <a:off x="480787" y="193964"/>
+            <a:ext cx="2849050" cy="369332"/>
+          </a:xfrm>
+          <a:prstGeom prst="rect">
+            <a:avLst/>
+          </a:prstGeom>
+          <a:noFill/>
+        </p:spPr>
+        <p:txBody>
+          <a:bodyPr wrap="none" rtlCol="0">
+            <a:spAutoFit/>
+          </a:bodyPr>
+          <a:lstStyle/>
+          <a:p>
+            <a:r>
+              <a:rPr lang="en-US" altLang="zh-CN" smtClean="0"/>
+              <a:t>RunnableFuture</a:t>
+            </a:r>
+            <a:r>
+              <a:rPr lang="zh-CN" altLang="en-US" smtClean="0"/>
+              <a:t>的实现类：</a:t>
+            </a:r>
+            <a:endParaRPr lang="en-US" altLang="zh-CN" smtClean="0"/>
+          </a:p>
+        </p:txBody>
+      </p:sp>
     </p:spTree>
     <p:extLst>
       <p:ext uri="{BB962C8B-B14F-4D97-AF65-F5344CB8AC3E}">
-        <p14:creationId xmlns:p14="http://schemas.microsoft.com/office/powerpoint/2010/main" val="2712662953"/>
+        <p14:creationId xmlns:p14="http://schemas.microsoft.com/office/powerpoint/2010/main" val="3992158036"/>
       </p:ext>
     </p:extLst>
   </p:cSld>
@@ -5626,10 +6595,96 @@
           <a:chExt cx="0" cy="0"/>
         </a:xfrm>
       </p:grpSpPr>
+      <p:pic>
+        <p:nvPicPr>
+          <p:cNvPr id="3" name="图片 2"/>
+          <p:cNvPicPr>
+            <a:picLocks noChangeAspect="1"/>
+          </p:cNvPicPr>
+          <p:nvPr/>
+        </p:nvPicPr>
+        <p:blipFill>
+          <a:blip r:embed="rId2"/>
+          <a:stretch>
+            <a:fillRect/>
+          </a:stretch>
+        </p:blipFill>
+        <p:spPr>
+          <a:xfrm>
+            <a:off x="87085" y="0"/>
+            <a:ext cx="6259400" cy="3648891"/>
+          </a:xfrm>
+          <a:prstGeom prst="rect">
+            <a:avLst/>
+          </a:prstGeom>
+        </p:spPr>
+      </p:pic>
+      <p:pic>
+        <p:nvPicPr>
+          <p:cNvPr id="4" name="图片 3"/>
+          <p:cNvPicPr>
+            <a:picLocks noChangeAspect="1"/>
+          </p:cNvPicPr>
+          <p:nvPr/>
+        </p:nvPicPr>
+        <p:blipFill>
+          <a:blip r:embed="rId3"/>
+          <a:stretch>
+            <a:fillRect/>
+          </a:stretch>
+        </p:blipFill>
+        <p:spPr>
+          <a:xfrm>
+            <a:off x="6346485" y="0"/>
+            <a:ext cx="5844627" cy="5773783"/>
+          </a:xfrm>
+          <a:prstGeom prst="rect">
+            <a:avLst/>
+          </a:prstGeom>
+        </p:spPr>
+      </p:pic>
+      <p:sp>
+        <p:nvSpPr>
+          <p:cNvPr id="6" name="文本框 5"/>
+          <p:cNvSpPr txBox="1"/>
+          <p:nvPr/>
+        </p:nvSpPr>
+        <p:spPr>
+          <a:xfrm>
+            <a:off x="487681" y="6008914"/>
+            <a:ext cx="6227987" cy="369332"/>
+          </a:xfrm>
+          <a:prstGeom prst="rect">
+            <a:avLst/>
+          </a:prstGeom>
+          <a:noFill/>
+        </p:spPr>
+        <p:txBody>
+          <a:bodyPr wrap="none" rtlCol="0">
+            <a:spAutoFit/>
+          </a:bodyPr>
+          <a:lstStyle/>
+          <a:p>
+            <a:r>
+              <a:rPr lang="zh-CN" altLang="en-US" b="1" smtClean="0">
+                <a:solidFill>
+                  <a:srgbClr val="FF0000"/>
+                </a:solidFill>
+              </a:rPr>
+              <a:t>要关注线程工厂是否是守护线程，这个关注着线程何时退出</a:t>
+            </a:r>
+            <a:endParaRPr lang="zh-CN" altLang="en-US" b="1">
+              <a:solidFill>
+                <a:srgbClr val="FF0000"/>
+              </a:solidFill>
+            </a:endParaRPr>
+          </a:p>
+        </p:txBody>
+      </p:sp>
     </p:spTree>
     <p:extLst>
       <p:ext uri="{BB962C8B-B14F-4D97-AF65-F5344CB8AC3E}">
-        <p14:creationId xmlns:p14="http://schemas.microsoft.com/office/powerpoint/2010/main" val="3562849902"/>
+        <p14:creationId xmlns:p14="http://schemas.microsoft.com/office/powerpoint/2010/main" val="1508588182"/>
       </p:ext>
     </p:extLst>
   </p:cSld>

--- a/concurrent/target/classes/com/daxin/concurrent/java并发之线程池学习.pptx
+++ b/concurrent/target/classes/com/daxin/concurrent/java并发之线程池学习.pptx
@@ -14,9 +14,9 @@
     <p:sldId id="263" r:id="rId8"/>
     <p:sldId id="262" r:id="rId9"/>
     <p:sldId id="265" r:id="rId10"/>
-    <p:sldId id="302" r:id="rId11"/>
-    <p:sldId id="264" r:id="rId12"/>
-    <p:sldId id="266" r:id="rId13"/>
+    <p:sldId id="266" r:id="rId11"/>
+    <p:sldId id="302" r:id="rId12"/>
+    <p:sldId id="264" r:id="rId13"/>
     <p:sldId id="267" r:id="rId14"/>
     <p:sldId id="268" r:id="rId15"/>
     <p:sldId id="269" r:id="rId16"/>
@@ -289,7 +289,7 @@
           <a:p>
             <a:fld id="{4C66DA94-FE23-4F8C-9219-15A8745059B3}" type="datetimeFigureOut">
               <a:rPr lang="zh-CN" altLang="en-US" smtClean="0"/>
-              <a:t>2017/4/7</a:t>
+              <a:t>2017/4/8</a:t>
             </a:fld>
             <a:endParaRPr lang="zh-CN" altLang="en-US"/>
           </a:p>
@@ -459,7 +459,7 @@
           <a:p>
             <a:fld id="{4C66DA94-FE23-4F8C-9219-15A8745059B3}" type="datetimeFigureOut">
               <a:rPr lang="zh-CN" altLang="en-US" smtClean="0"/>
-              <a:t>2017/4/7</a:t>
+              <a:t>2017/4/8</a:t>
             </a:fld>
             <a:endParaRPr lang="zh-CN" altLang="en-US"/>
           </a:p>
@@ -639,7 +639,7 @@
           <a:p>
             <a:fld id="{4C66DA94-FE23-4F8C-9219-15A8745059B3}" type="datetimeFigureOut">
               <a:rPr lang="zh-CN" altLang="en-US" smtClean="0"/>
-              <a:t>2017/4/7</a:t>
+              <a:t>2017/4/8</a:t>
             </a:fld>
             <a:endParaRPr lang="zh-CN" altLang="en-US"/>
           </a:p>
@@ -809,7 +809,7 @@
           <a:p>
             <a:fld id="{4C66DA94-FE23-4F8C-9219-15A8745059B3}" type="datetimeFigureOut">
               <a:rPr lang="zh-CN" altLang="en-US" smtClean="0"/>
-              <a:t>2017/4/7</a:t>
+              <a:t>2017/4/8</a:t>
             </a:fld>
             <a:endParaRPr lang="zh-CN" altLang="en-US"/>
           </a:p>
@@ -1055,7 +1055,7 @@
           <a:p>
             <a:fld id="{4C66DA94-FE23-4F8C-9219-15A8745059B3}" type="datetimeFigureOut">
               <a:rPr lang="zh-CN" altLang="en-US" smtClean="0"/>
-              <a:t>2017/4/7</a:t>
+              <a:t>2017/4/8</a:t>
             </a:fld>
             <a:endParaRPr lang="zh-CN" altLang="en-US"/>
           </a:p>
@@ -1287,7 +1287,7 @@
           <a:p>
             <a:fld id="{4C66DA94-FE23-4F8C-9219-15A8745059B3}" type="datetimeFigureOut">
               <a:rPr lang="zh-CN" altLang="en-US" smtClean="0"/>
-              <a:t>2017/4/7</a:t>
+              <a:t>2017/4/8</a:t>
             </a:fld>
             <a:endParaRPr lang="zh-CN" altLang="en-US"/>
           </a:p>
@@ -1654,7 +1654,7 @@
           <a:p>
             <a:fld id="{4C66DA94-FE23-4F8C-9219-15A8745059B3}" type="datetimeFigureOut">
               <a:rPr lang="zh-CN" altLang="en-US" smtClean="0"/>
-              <a:t>2017/4/7</a:t>
+              <a:t>2017/4/8</a:t>
             </a:fld>
             <a:endParaRPr lang="zh-CN" altLang="en-US"/>
           </a:p>
@@ -1772,7 +1772,7 @@
           <a:p>
             <a:fld id="{4C66DA94-FE23-4F8C-9219-15A8745059B3}" type="datetimeFigureOut">
               <a:rPr lang="zh-CN" altLang="en-US" smtClean="0"/>
-              <a:t>2017/4/7</a:t>
+              <a:t>2017/4/8</a:t>
             </a:fld>
             <a:endParaRPr lang="zh-CN" altLang="en-US"/>
           </a:p>
@@ -1867,7 +1867,7 @@
           <a:p>
             <a:fld id="{4C66DA94-FE23-4F8C-9219-15A8745059B3}" type="datetimeFigureOut">
               <a:rPr lang="zh-CN" altLang="en-US" smtClean="0"/>
-              <a:t>2017/4/7</a:t>
+              <a:t>2017/4/8</a:t>
             </a:fld>
             <a:endParaRPr lang="zh-CN" altLang="en-US"/>
           </a:p>
@@ -2144,7 +2144,7 @@
           <a:p>
             <a:fld id="{4C66DA94-FE23-4F8C-9219-15A8745059B3}" type="datetimeFigureOut">
               <a:rPr lang="zh-CN" altLang="en-US" smtClean="0"/>
-              <a:t>2017/4/7</a:t>
+              <a:t>2017/4/8</a:t>
             </a:fld>
             <a:endParaRPr lang="zh-CN" altLang="en-US"/>
           </a:p>
@@ -2397,7 +2397,7 @@
           <a:p>
             <a:fld id="{4C66DA94-FE23-4F8C-9219-15A8745059B3}" type="datetimeFigureOut">
               <a:rPr lang="zh-CN" altLang="en-US" smtClean="0"/>
-              <a:t>2017/4/7</a:t>
+              <a:t>2017/4/8</a:t>
             </a:fld>
             <a:endParaRPr lang="zh-CN" altLang="en-US"/>
           </a:p>
@@ -2610,7 +2610,7 @@
           <a:p>
             <a:fld id="{4C66DA94-FE23-4F8C-9219-15A8745059B3}" type="datetimeFigureOut">
               <a:rPr lang="zh-CN" altLang="en-US" smtClean="0"/>
-              <a:t>2017/4/7</a:t>
+              <a:t>2017/4/8</a:t>
             </a:fld>
             <a:endParaRPr lang="zh-CN" altLang="en-US"/>
           </a:p>
@@ -3738,36 +3738,6 @@
 <file path=ppt/slides/slide10.xml><?xml version="1.0" encoding="utf-8"?>
 <p:sld xmlns:a="http://schemas.openxmlformats.org/drawingml/2006/main" xmlns:r="http://schemas.openxmlformats.org/officeDocument/2006/relationships" xmlns:p="http://schemas.openxmlformats.org/presentationml/2006/main">
   <p:cSld>
-    <p:spTree>
-      <p:nvGrpSpPr>
-        <p:cNvPr id="1" name=""/>
-        <p:cNvGrpSpPr/>
-        <p:nvPr/>
-      </p:nvGrpSpPr>
-      <p:grpSpPr>
-        <a:xfrm>
-          <a:off x="0" y="0"/>
-          <a:ext cx="0" cy="0"/>
-          <a:chOff x="0" y="0"/>
-          <a:chExt cx="0" cy="0"/>
-        </a:xfrm>
-      </p:grpSpPr>
-    </p:spTree>
-    <p:extLst>
-      <p:ext uri="{BB962C8B-B14F-4D97-AF65-F5344CB8AC3E}">
-        <p14:creationId xmlns:p14="http://schemas.microsoft.com/office/powerpoint/2010/main" val="1911986534"/>
-      </p:ext>
-    </p:extLst>
-  </p:cSld>
-  <p:clrMapOvr>
-    <a:masterClrMapping/>
-  </p:clrMapOvr>
-</p:sld>
-</file>
-
-<file path=ppt/slides/slide11.xml><?xml version="1.0" encoding="utf-8"?>
-<p:sld xmlns:a="http://schemas.openxmlformats.org/drawingml/2006/main" xmlns:r="http://schemas.openxmlformats.org/officeDocument/2006/relationships" xmlns:p="http://schemas.openxmlformats.org/presentationml/2006/main">
-  <p:cSld>
     <p:bg>
       <p:bgPr>
         <a:solidFill>
@@ -3792,87 +3762,40 @@
           <a:chExt cx="0" cy="0"/>
         </a:xfrm>
       </p:grpSpPr>
-      <p:sp>
-        <p:nvSpPr>
-          <p:cNvPr id="2" name="矩形 1"/>
-          <p:cNvSpPr/>
-          <p:nvPr/>
-        </p:nvSpPr>
-        <p:spPr>
-          <a:xfrm>
-            <a:off x="1847802" y="1340059"/>
-            <a:ext cx="6144626" cy="1323439"/>
-          </a:xfrm>
-          <a:prstGeom prst="rect">
-            <a:avLst/>
-          </a:prstGeom>
-        </p:spPr>
-        <p:txBody>
-          <a:bodyPr wrap="square">
-            <a:spAutoFit/>
-          </a:bodyPr>
-          <a:lstStyle/>
-          <a:p>
-            <a:r>
-              <a:rPr lang="zh-CN" altLang="en-US" sz="4400" smtClean="0">
-                <a:solidFill>
-                  <a:srgbClr val="FF0000"/>
-                </a:solidFill>
-              </a:rPr>
-              <a:t>书签</a:t>
-            </a:r>
-            <a:r>
-              <a:rPr lang="zh-CN" altLang="en-US" smtClean="0"/>
-              <a:t>：</a:t>
-            </a:r>
-            <a:r>
-              <a:rPr lang="en-US" altLang="zh-CN" smtClean="0"/>
-              <a:t>Scheduled</a:t>
-            </a:r>
-            <a:r>
-              <a:rPr lang="zh-CN" altLang="en-US" smtClean="0"/>
-              <a:t>明天继续研究</a:t>
-            </a:r>
-            <a:r>
-              <a:rPr lang="en-US" altLang="zh-CN" smtClean="0"/>
-              <a:t>Scheduled</a:t>
-            </a:r>
-            <a:r>
-              <a:rPr lang="zh-CN" altLang="en-US" smtClean="0"/>
-              <a:t>的并发</a:t>
-            </a:r>
-            <a:r>
-              <a:rPr lang="zh-CN" altLang="en-US" smtClean="0"/>
-              <a:t>编程，以及</a:t>
-            </a:r>
-            <a:r>
-              <a:rPr lang="en-US" altLang="zh-CN" sz="3600" b="1" smtClean="0">
-                <a:solidFill>
-                  <a:srgbClr val="FF0000"/>
-                </a:solidFill>
-              </a:rPr>
-              <a:t>DelayedWorkQueue</a:t>
-            </a:r>
-            <a:r>
-              <a:rPr lang="zh-CN" altLang="en-US" sz="3600" b="1" smtClean="0">
-                <a:solidFill>
-                  <a:srgbClr val="FF0000"/>
-                </a:solidFill>
-              </a:rPr>
-              <a:t>的学习</a:t>
-            </a:r>
-            <a:endParaRPr lang="en-US" altLang="zh-CN" sz="3600" b="1" smtClean="0">
-              <a:solidFill>
-                <a:srgbClr val="FF0000"/>
-              </a:solidFill>
-            </a:endParaRPr>
-          </a:p>
-        </p:txBody>
-      </p:sp>
     </p:spTree>
     <p:extLst>
       <p:ext uri="{BB962C8B-B14F-4D97-AF65-F5344CB8AC3E}">
-        <p14:creationId xmlns:p14="http://schemas.microsoft.com/office/powerpoint/2010/main" val="3562849902"/>
+        <p14:creationId xmlns:p14="http://schemas.microsoft.com/office/powerpoint/2010/main" val="2634588805"/>
+      </p:ext>
+    </p:extLst>
+  </p:cSld>
+  <p:clrMapOvr>
+    <a:masterClrMapping/>
+  </p:clrMapOvr>
+</p:sld>
+</file>
+
+<file path=ppt/slides/slide11.xml><?xml version="1.0" encoding="utf-8"?>
+<p:sld xmlns:a="http://schemas.openxmlformats.org/drawingml/2006/main" xmlns:r="http://schemas.openxmlformats.org/officeDocument/2006/relationships" xmlns:p="http://schemas.openxmlformats.org/presentationml/2006/main">
+  <p:cSld>
+    <p:spTree>
+      <p:nvGrpSpPr>
+        <p:cNvPr id="1" name=""/>
+        <p:cNvGrpSpPr/>
+        <p:nvPr/>
+      </p:nvGrpSpPr>
+      <p:grpSpPr>
+        <a:xfrm>
+          <a:off x="0" y="0"/>
+          <a:ext cx="0" cy="0"/>
+          <a:chOff x="0" y="0"/>
+          <a:chExt cx="0" cy="0"/>
+        </a:xfrm>
+      </p:grpSpPr>
+    </p:spTree>
+    <p:extLst>
+      <p:ext uri="{BB962C8B-B14F-4D97-AF65-F5344CB8AC3E}">
+        <p14:creationId xmlns:p14="http://schemas.microsoft.com/office/powerpoint/2010/main" val="1911986534"/>
       </p:ext>
     </p:extLst>
   </p:cSld>
@@ -3909,10 +3832,244 @@
           <a:chExt cx="0" cy="0"/>
         </a:xfrm>
       </p:grpSpPr>
+      <p:sp>
+        <p:nvSpPr>
+          <p:cNvPr id="2" name="矩形 1"/>
+          <p:cNvSpPr/>
+          <p:nvPr/>
+        </p:nvSpPr>
+        <p:spPr>
+          <a:xfrm>
+            <a:off x="0" y="390825"/>
+            <a:ext cx="10858004" cy="5201424"/>
+          </a:xfrm>
+          <a:prstGeom prst="rect">
+            <a:avLst/>
+          </a:prstGeom>
+        </p:spPr>
+        <p:txBody>
+          <a:bodyPr wrap="square">
+            <a:spAutoFit/>
+          </a:bodyPr>
+          <a:lstStyle/>
+          <a:p>
+            <a:r>
+              <a:rPr lang="zh-CN" altLang="en-US" sz="4400" smtClean="0">
+                <a:solidFill>
+                  <a:srgbClr val="FF0000"/>
+                </a:solidFill>
+              </a:rPr>
+              <a:t>书签</a:t>
+            </a:r>
+            <a:r>
+              <a:rPr lang="zh-CN" altLang="en-US" smtClean="0"/>
+              <a:t>：</a:t>
+            </a:r>
+            <a:r>
+              <a:rPr lang="en-US" altLang="zh-CN" smtClean="0"/>
+              <a:t>Scheduled</a:t>
+            </a:r>
+            <a:r>
+              <a:rPr lang="zh-CN" altLang="en-US" smtClean="0"/>
+              <a:t>明天继续研究</a:t>
+            </a:r>
+            <a:r>
+              <a:rPr lang="en-US" altLang="zh-CN" smtClean="0"/>
+              <a:t>Scheduled</a:t>
+            </a:r>
+            <a:r>
+              <a:rPr lang="zh-CN" altLang="en-US" smtClean="0"/>
+              <a:t>的并发编程，以及</a:t>
+            </a:r>
+            <a:r>
+              <a:rPr lang="en-US" altLang="zh-CN" sz="3600" b="1" smtClean="0">
+                <a:solidFill>
+                  <a:srgbClr val="FF0000"/>
+                </a:solidFill>
+              </a:rPr>
+              <a:t>DelayedWorkQueue</a:t>
+            </a:r>
+            <a:r>
+              <a:rPr lang="zh-CN" altLang="en-US" sz="3600" b="1" smtClean="0">
+                <a:solidFill>
+                  <a:srgbClr val="FF0000"/>
+                </a:solidFill>
+              </a:rPr>
+              <a:t>的学习，</a:t>
+            </a:r>
+            <a:r>
+              <a:rPr lang="zh-CN" altLang="en-US" sz="3600" b="1">
+                <a:solidFill>
+                  <a:srgbClr val="FF0000"/>
+                </a:solidFill>
+              </a:rPr>
+              <a:t>以及</a:t>
+            </a:r>
+            <a:r>
+              <a:rPr lang="en-US" altLang="zh-CN" sz="3600" b="1">
+                <a:solidFill>
+                  <a:srgbClr val="FF0000"/>
+                </a:solidFill>
+              </a:rPr>
+              <a:t>Scheduled</a:t>
+            </a:r>
+            <a:r>
+              <a:rPr lang="zh-CN" altLang="en-US" sz="3600" b="1">
+                <a:solidFill>
+                  <a:srgbClr val="FF0000"/>
+                </a:solidFill>
+              </a:rPr>
+              <a:t>执行结果处理相关的类</a:t>
+            </a:r>
+            <a:r>
+              <a:rPr lang="en-US" altLang="zh-CN" sz="3600" b="1" smtClean="0">
+                <a:solidFill>
+                  <a:srgbClr val="FF0000"/>
+                </a:solidFill>
+              </a:rPr>
+              <a:t>ScheduledFutureTask</a:t>
+            </a:r>
+            <a:r>
+              <a:rPr lang="zh-CN" altLang="en-US" sz="3600" b="1" smtClean="0">
+                <a:solidFill>
+                  <a:srgbClr val="FF0000"/>
+                </a:solidFill>
+              </a:rPr>
+              <a:t>以及</a:t>
+            </a:r>
+            <a:endParaRPr lang="en-US" altLang="zh-CN" sz="3600" b="1" smtClean="0">
+              <a:solidFill>
+                <a:srgbClr val="FF0000"/>
+              </a:solidFill>
+            </a:endParaRPr>
+          </a:p>
+          <a:p>
+            <a:r>
+              <a:rPr lang="en-US" altLang="zh-CN" sz="2000" b="1" smtClean="0">
+                <a:solidFill>
+                  <a:srgbClr val="00B050"/>
+                </a:solidFill>
+              </a:rPr>
+              <a:t>public </a:t>
+            </a:r>
+            <a:r>
+              <a:rPr lang="en-US" altLang="zh-CN" sz="2000" b="1">
+                <a:solidFill>
+                  <a:srgbClr val="00B050"/>
+                </a:solidFill>
+              </a:rPr>
+              <a:t>interface RunnableScheduledFuture&lt;V&gt; extends RunnableFuture&lt;V&gt;, ScheduledFuture&lt;V</a:t>
+            </a:r>
+            <a:r>
+              <a:rPr lang="en-US" altLang="zh-CN" sz="2000" b="1" smtClean="0">
+                <a:solidFill>
+                  <a:srgbClr val="00B050"/>
+                </a:solidFill>
+              </a:rPr>
+              <a:t>&gt;</a:t>
+            </a:r>
+          </a:p>
+          <a:p>
+            <a:endParaRPr lang="en-US" altLang="zh-CN" sz="2000" b="1">
+              <a:solidFill>
+                <a:srgbClr val="00B050"/>
+              </a:solidFill>
+            </a:endParaRPr>
+          </a:p>
+          <a:p>
+            <a:endParaRPr lang="en-US" altLang="zh-CN" sz="2000" b="1" smtClean="0">
+              <a:solidFill>
+                <a:srgbClr val="00B050"/>
+              </a:solidFill>
+            </a:endParaRPr>
+          </a:p>
+          <a:p>
+            <a:endParaRPr lang="en-US" altLang="zh-CN" sz="2000" b="1">
+              <a:solidFill>
+                <a:srgbClr val="00B050"/>
+              </a:solidFill>
+            </a:endParaRPr>
+          </a:p>
+          <a:p>
+            <a:r>
+              <a:rPr lang="en-US" altLang="zh-CN" sz="3600" b="1">
+                <a:solidFill>
+                  <a:srgbClr val="FF0000"/>
+                </a:solidFill>
+              </a:rPr>
+              <a:t>	</a:t>
+            </a:r>
+            <a:r>
+              <a:rPr lang="en-US" altLang="zh-CN" sz="3600" b="1" smtClean="0">
+                <a:solidFill>
+                  <a:srgbClr val="FF0000"/>
+                </a:solidFill>
+              </a:rPr>
+              <a:t>				</a:t>
+            </a:r>
+            <a:r>
+              <a:rPr lang="zh-CN" altLang="en-US" sz="3600" b="1" smtClean="0">
+                <a:solidFill>
+                  <a:srgbClr val="FF0000"/>
+                </a:solidFill>
+              </a:rPr>
+              <a:t>还有</a:t>
+            </a:r>
+            <a:r>
+              <a:rPr lang="zh-CN" altLang="en-US" sz="3600" b="1">
+                <a:solidFill>
+                  <a:srgbClr val="FF0000"/>
+                </a:solidFill>
+              </a:rPr>
+              <a:t>并发集合</a:t>
+            </a:r>
+            <a:endParaRPr lang="en-US" altLang="zh-CN" sz="3600" b="1">
+              <a:solidFill>
+                <a:srgbClr val="FF0000"/>
+              </a:solidFill>
+            </a:endParaRPr>
+          </a:p>
+          <a:p>
+            <a:endParaRPr lang="en-US" altLang="zh-CN" sz="2000" b="1">
+              <a:solidFill>
+                <a:srgbClr val="00B050"/>
+              </a:solidFill>
+            </a:endParaRPr>
+          </a:p>
+          <a:p>
+            <a:endParaRPr lang="en-US" altLang="zh-CN" sz="2000" b="1" smtClean="0">
+              <a:solidFill>
+                <a:srgbClr val="00B050"/>
+              </a:solidFill>
+            </a:endParaRPr>
+          </a:p>
+          <a:p>
+            <a:endParaRPr lang="en-US" altLang="zh-CN" sz="2000" b="1">
+              <a:solidFill>
+                <a:srgbClr val="00B050"/>
+              </a:solidFill>
+            </a:endParaRPr>
+          </a:p>
+          <a:p>
+            <a:endParaRPr lang="en-US" altLang="zh-CN" sz="2000" b="1" smtClean="0">
+              <a:solidFill>
+                <a:srgbClr val="00B050"/>
+              </a:solidFill>
+            </a:endParaRPr>
+          </a:p>
+          <a:p>
+            <a:endParaRPr lang="en-US" altLang="zh-CN" sz="2000" b="1" smtClean="0">
+              <a:solidFill>
+                <a:srgbClr val="00B050"/>
+              </a:solidFill>
+            </a:endParaRPr>
+          </a:p>
+        </p:txBody>
+      </p:sp>
     </p:spTree>
     <p:extLst>
       <p:ext uri="{BB962C8B-B14F-4D97-AF65-F5344CB8AC3E}">
-        <p14:creationId xmlns:p14="http://schemas.microsoft.com/office/powerpoint/2010/main" val="2634588805"/>
+        <p14:creationId xmlns:p14="http://schemas.microsoft.com/office/powerpoint/2010/main" val="3562849902"/>
       </p:ext>
     </p:extLst>
   </p:cSld>
@@ -5615,6 +5772,301 @@
           <a:chExt cx="0" cy="0"/>
         </a:xfrm>
       </p:grpSpPr>
+      <p:pic>
+        <p:nvPicPr>
+          <p:cNvPr id="2" name="图片 1"/>
+          <p:cNvPicPr>
+            <a:picLocks noChangeAspect="1"/>
+          </p:cNvPicPr>
+          <p:nvPr/>
+        </p:nvPicPr>
+        <p:blipFill>
+          <a:blip r:embed="rId2"/>
+          <a:stretch>
+            <a:fillRect/>
+          </a:stretch>
+        </p:blipFill>
+        <p:spPr>
+          <a:xfrm>
+            <a:off x="518804" y="64269"/>
+            <a:ext cx="8123809" cy="685714"/>
+          </a:xfrm>
+          <a:prstGeom prst="rect">
+            <a:avLst/>
+          </a:prstGeom>
+        </p:spPr>
+      </p:pic>
+      <p:pic>
+        <p:nvPicPr>
+          <p:cNvPr id="3" name="图片 2"/>
+          <p:cNvPicPr>
+            <a:picLocks noChangeAspect="1"/>
+          </p:cNvPicPr>
+          <p:nvPr/>
+        </p:nvPicPr>
+        <p:blipFill>
+          <a:blip r:embed="rId3"/>
+          <a:stretch>
+            <a:fillRect/>
+          </a:stretch>
+        </p:blipFill>
+        <p:spPr>
+          <a:xfrm>
+            <a:off x="518804" y="749983"/>
+            <a:ext cx="8123809" cy="1521517"/>
+          </a:xfrm>
+          <a:prstGeom prst="rect">
+            <a:avLst/>
+          </a:prstGeom>
+        </p:spPr>
+      </p:pic>
+      <p:sp>
+        <p:nvSpPr>
+          <p:cNvPr id="4" name="文本框 3"/>
+          <p:cNvSpPr txBox="1"/>
+          <p:nvPr/>
+        </p:nvSpPr>
+        <p:spPr>
+          <a:xfrm>
+            <a:off x="265915" y="2271500"/>
+            <a:ext cx="10820096" cy="4062651"/>
+          </a:xfrm>
+          <a:prstGeom prst="rect">
+            <a:avLst/>
+          </a:prstGeom>
+          <a:noFill/>
+        </p:spPr>
+        <p:txBody>
+          <a:bodyPr wrap="square" rtlCol="0">
+            <a:spAutoFit/>
+          </a:bodyPr>
+          <a:lstStyle/>
+          <a:p>
+            <a:r>
+              <a:rPr lang="en-US" altLang="zh-CN">
+                <a:solidFill>
+                  <a:srgbClr val="FF0000"/>
+                </a:solidFill>
+              </a:rPr>
+              <a:t>Executors.newCachedThreadPool</a:t>
+            </a:r>
+            <a:r>
+              <a:rPr lang="en-US" altLang="zh-CN" smtClean="0">
+                <a:solidFill>
+                  <a:srgbClr val="FF0000"/>
+                </a:solidFill>
+              </a:rPr>
+              <a:t>()</a:t>
+            </a:r>
+            <a:r>
+              <a:rPr lang="zh-CN" altLang="en-US" smtClean="0">
+                <a:solidFill>
+                  <a:srgbClr val="FF0000"/>
+                </a:solidFill>
+              </a:rPr>
+              <a:t>优点：</a:t>
+            </a:r>
+            <a:endParaRPr lang="en-US" altLang="zh-CN" smtClean="0">
+              <a:solidFill>
+                <a:srgbClr val="FF0000"/>
+              </a:solidFill>
+            </a:endParaRPr>
+          </a:p>
+          <a:p>
+            <a:endParaRPr lang="en-US" altLang="zh-CN">
+              <a:solidFill>
+                <a:srgbClr val="FF0000"/>
+              </a:solidFill>
+            </a:endParaRPr>
+          </a:p>
+          <a:p>
+            <a:r>
+              <a:rPr lang="en-US" altLang="zh-CN"/>
+              <a:t>public static ExecutorService newCachedThreadPool()</a:t>
+            </a:r>
+            <a:r>
+              <a:rPr lang="zh-CN" altLang="en-US"/>
+              <a:t>创建一个</a:t>
+            </a:r>
+            <a:r>
+              <a:rPr lang="zh-CN" altLang="en-US">
+                <a:solidFill>
+                  <a:srgbClr val="FF0000"/>
+                </a:solidFill>
+              </a:rPr>
+              <a:t>可根据需要</a:t>
+            </a:r>
+            <a:r>
+              <a:rPr lang="zh-CN" altLang="en-US"/>
+              <a:t>创建</a:t>
+            </a:r>
+            <a:r>
+              <a:rPr lang="zh-CN" altLang="en-US">
+                <a:solidFill>
+                  <a:srgbClr val="FF0000"/>
+                </a:solidFill>
+              </a:rPr>
+              <a:t>新线程的线程池</a:t>
+            </a:r>
+            <a:r>
+              <a:rPr lang="zh-CN" altLang="en-US"/>
+              <a:t>，</a:t>
+            </a:r>
+            <a:r>
+              <a:rPr lang="zh-CN" altLang="en-US" smtClean="0"/>
+              <a:t>但是</a:t>
+            </a:r>
+            <a:r>
+              <a:rPr lang="zh-CN" altLang="en-US" smtClean="0">
+                <a:solidFill>
+                  <a:srgbClr val="FF0000"/>
+                </a:solidFill>
+              </a:rPr>
+              <a:t>以前</a:t>
+            </a:r>
+            <a:r>
+              <a:rPr lang="zh-CN" altLang="en-US">
+                <a:solidFill>
+                  <a:srgbClr val="FF0000"/>
+                </a:solidFill>
+              </a:rPr>
+              <a:t>构造的线程可用时</a:t>
+            </a:r>
+            <a:r>
+              <a:rPr lang="zh-CN" altLang="en-US"/>
+              <a:t>将</a:t>
+            </a:r>
+            <a:r>
+              <a:rPr lang="zh-CN" altLang="en-US">
+                <a:solidFill>
+                  <a:srgbClr val="FF0000"/>
+                </a:solidFill>
+              </a:rPr>
+              <a:t>重用它们</a:t>
+            </a:r>
+            <a:r>
+              <a:rPr lang="zh-CN" altLang="en-US"/>
+              <a:t>。</a:t>
+            </a:r>
+            <a:r>
+              <a:rPr lang="zh-CN" altLang="en-US" sz="2000" b="1">
+                <a:solidFill>
+                  <a:srgbClr val="FF0000"/>
+                </a:solidFill>
+              </a:rPr>
+              <a:t>对于执行很多短期异步任务的程序而言，这些线程池通常可提高程序性能。</a:t>
+            </a:r>
+            <a:r>
+              <a:rPr lang="zh-CN" altLang="en-US"/>
+              <a:t>调用 </a:t>
+            </a:r>
+            <a:r>
+              <a:rPr lang="en-US" altLang="zh-CN"/>
+              <a:t>execute </a:t>
+            </a:r>
+            <a:r>
+              <a:rPr lang="zh-CN" altLang="en-US"/>
+              <a:t>将重用以前构造的线程（如果线程可用）。如果现有线程没有可用的，则创建一个新线程并添加到池中。终止并从缓存中移除那些已有 </a:t>
+            </a:r>
+            <a:r>
+              <a:rPr lang="en-US" altLang="zh-CN"/>
+              <a:t>60 </a:t>
+            </a:r>
+            <a:r>
+              <a:rPr lang="zh-CN" altLang="en-US"/>
+              <a:t>秒钟未被使用的线程。因此，长时间保持空闲的线程池不会使用任何资源。注意，可以使用 </a:t>
+            </a:r>
+            <a:r>
+              <a:rPr lang="en-US" altLang="zh-CN"/>
+              <a:t>ThreadPoolExecutor </a:t>
+            </a:r>
+            <a:r>
+              <a:rPr lang="zh-CN" altLang="en-US"/>
+              <a:t>构造方法创建具有类似属性但细节不同（例如超时参数）的线程池。 </a:t>
+            </a:r>
+            <a:endParaRPr lang="en-US" altLang="zh-CN" smtClean="0"/>
+          </a:p>
+          <a:p>
+            <a:r>
+              <a:rPr lang="zh-CN" altLang="en-US" b="1" smtClean="0">
+                <a:solidFill>
+                  <a:srgbClr val="FF0000"/>
+                </a:solidFill>
+              </a:rPr>
+              <a:t>重载方法：</a:t>
+            </a:r>
+            <a:r>
+              <a:rPr lang="en-US" altLang="zh-CN"/>
+              <a:t> public static ExecutorService newCachedThreadPool(ThreadFactory </a:t>
+            </a:r>
+            <a:r>
+              <a:rPr lang="en-US" altLang="zh-CN" smtClean="0"/>
+              <a:t>threadFactory)</a:t>
+            </a:r>
+          </a:p>
+          <a:p>
+            <a:r>
+              <a:rPr lang="en-US" altLang="zh-CN" b="1">
+                <a:solidFill>
+                  <a:srgbClr val="FF0000"/>
+                </a:solidFill>
+              </a:rPr>
+              <a:t>	</a:t>
+            </a:r>
+            <a:r>
+              <a:rPr lang="en-US" altLang="zh-CN" b="1" smtClean="0">
+                <a:solidFill>
+                  <a:srgbClr val="FF0000"/>
+                </a:solidFill>
+              </a:rPr>
+              <a:t>	</a:t>
+            </a:r>
+            <a:r>
+              <a:rPr lang="zh-CN" altLang="en-US" b="1" smtClean="0">
+                <a:solidFill>
+                  <a:srgbClr val="FF0000"/>
+                </a:solidFill>
+              </a:rPr>
+              <a:t>使用工厂定制线程</a:t>
+            </a:r>
+            <a:endParaRPr lang="en-US" altLang="zh-CN" b="1" smtClean="0">
+              <a:solidFill>
+                <a:srgbClr val="FF0000"/>
+              </a:solidFill>
+            </a:endParaRPr>
+          </a:p>
+          <a:p>
+            <a:r>
+              <a:rPr lang="zh-CN" altLang="en-US"/>
+              <a:t/>
+            </a:r>
+            <a:br>
+              <a:rPr lang="zh-CN" altLang="en-US"/>
+            </a:br>
+            <a:r>
+              <a:rPr lang="en-US" altLang="zh-CN" sz="1400"/>
+              <a:t>public static ExecutorService newFixedThreadPool(int nThreads)</a:t>
+            </a:r>
+            <a:r>
+              <a:rPr lang="zh-CN" altLang="en-US" sz="1400"/>
+              <a:t>创建一个可重用固定线程数的线程池，以共享的无界队列方式来运行这些线程。在任意点，在大多数 </a:t>
+            </a:r>
+            <a:r>
+              <a:rPr lang="en-US" altLang="zh-CN" sz="1400"/>
+              <a:t>nThreads </a:t>
+            </a:r>
+            <a:r>
+              <a:rPr lang="zh-CN" altLang="en-US" sz="1400"/>
+              <a:t>线程会处于处理任务的活动状态。如果在所有线程处于活动状态时提交附加任务，则在有可用线程之前，附加任务将在队列中等待。如果在关闭前的执行期间由于失败而导致任何线程终止，那么一个新线程将代替它执行后续的任务（如果需要）。在某个线程被显式地关闭之前，池中的线程将一直存在。 </a:t>
+            </a:r>
+            <a:endParaRPr lang="en-US" altLang="zh-CN" sz="1400" smtClean="0">
+              <a:solidFill>
+                <a:srgbClr val="FF0000"/>
+              </a:solidFill>
+            </a:endParaRPr>
+          </a:p>
+        </p:txBody>
+      </p:sp>
     </p:spTree>
     <p:extLst>
       <p:ext uri="{BB962C8B-B14F-4D97-AF65-F5344CB8AC3E}">
@@ -6403,7 +6855,7 @@
         <p:spPr>
           <a:xfrm>
             <a:off x="6482911" y="4674271"/>
-            <a:ext cx="4895699" cy="923330"/>
+            <a:ext cx="4895699" cy="1754326"/>
           </a:xfrm>
           <a:prstGeom prst="rect">
             <a:avLst/>
@@ -6451,12 +6903,159 @@
           <a:p>
             <a:r>
               <a:rPr lang="zh-CN" altLang="en-US" smtClean="0"/>
-              <a:t>获取结果</a:t>
+              <a:t>获取</a:t>
+            </a:r>
+            <a:r>
+              <a:rPr lang="zh-CN" altLang="en-US" smtClean="0"/>
+              <a:t>结果。</a:t>
             </a:r>
             <a:endParaRPr lang="en-US" altLang="zh-CN" smtClean="0"/>
           </a:p>
-        </p:txBody>
-      </p:sp>
+          <a:p>
+            <a:endParaRPr lang="en-US" altLang="zh-CN"/>
+          </a:p>
+          <a:p>
+            <a:endParaRPr lang="en-US" altLang="zh-CN" smtClean="0"/>
+          </a:p>
+          <a:p>
+            <a:r>
+              <a:rPr lang="zh-CN" altLang="en-US" smtClean="0">
+                <a:solidFill>
+                  <a:srgbClr val="FF0000"/>
+                </a:solidFill>
+              </a:rPr>
+              <a:t>但是对于</a:t>
+            </a:r>
+            <a:r>
+              <a:rPr lang="en-US" altLang="zh-CN" smtClean="0">
+                <a:solidFill>
+                  <a:srgbClr val="FF0000"/>
+                </a:solidFill>
+              </a:rPr>
+              <a:t>Runnable</a:t>
+            </a:r>
+            <a:r>
+              <a:rPr lang="zh-CN" altLang="en-US" smtClean="0">
+                <a:solidFill>
+                  <a:srgbClr val="FF0000"/>
+                </a:solidFill>
+              </a:rPr>
+              <a:t>任务是没有返回结果的</a:t>
+            </a:r>
+            <a:endParaRPr lang="en-US" altLang="zh-CN" smtClean="0">
+              <a:solidFill>
+                <a:srgbClr val="FF0000"/>
+              </a:solidFill>
+            </a:endParaRPr>
+          </a:p>
+        </p:txBody>
+      </p:sp>
+      <p:cxnSp>
+        <p:nvCxnSpPr>
+          <p:cNvPr id="8" name="直接箭头连接符 7"/>
+          <p:cNvCxnSpPr/>
+          <p:nvPr/>
+        </p:nvCxnSpPr>
+        <p:spPr>
+          <a:xfrm flipV="1">
+            <a:off x="2420983" y="1863634"/>
+            <a:ext cx="6566263" cy="269966"/>
+          </a:xfrm>
+          <a:prstGeom prst="straightConnector1">
+            <a:avLst/>
+          </a:prstGeom>
+          <a:ln>
+            <a:solidFill>
+              <a:schemeClr val="tx1"/>
+            </a:solidFill>
+            <a:tailEnd type="triangle"/>
+          </a:ln>
+        </p:spPr>
+        <p:style>
+          <a:lnRef idx="1">
+            <a:schemeClr val="accent1"/>
+          </a:lnRef>
+          <a:fillRef idx="0">
+            <a:schemeClr val="accent1"/>
+          </a:fillRef>
+          <a:effectRef idx="0">
+            <a:schemeClr val="accent1"/>
+          </a:effectRef>
+          <a:fontRef idx="minor">
+            <a:schemeClr val="tx1"/>
+          </a:fontRef>
+        </p:style>
+      </p:cxnSp>
+      <p:sp>
+        <p:nvSpPr>
+          <p:cNvPr id="14" name="文本框 13"/>
+          <p:cNvSpPr txBox="1"/>
+          <p:nvPr/>
+        </p:nvSpPr>
+        <p:spPr>
+          <a:xfrm>
+            <a:off x="9136522" y="1751358"/>
+            <a:ext cx="1295483" cy="369332"/>
+          </a:xfrm>
+          <a:prstGeom prst="rect">
+            <a:avLst/>
+          </a:prstGeom>
+          <a:noFill/>
+        </p:spPr>
+        <p:txBody>
+          <a:bodyPr wrap="none" rtlCol="0">
+            <a:spAutoFit/>
+          </a:bodyPr>
+          <a:lstStyle/>
+          <a:p>
+            <a:r>
+              <a:rPr lang="zh-CN" altLang="en-US" smtClean="0"/>
+              <a:t>返回值</a:t>
+            </a:r>
+            <a:r>
+              <a:rPr lang="en-US" altLang="zh-CN" smtClean="0"/>
+              <a:t>Void</a:t>
+            </a:r>
+            <a:endParaRPr lang="zh-CN" altLang="en-US"/>
+          </a:p>
+        </p:txBody>
+      </p:sp>
+      <p:cxnSp>
+        <p:nvCxnSpPr>
+          <p:cNvPr id="17" name="直接箭头连接符 16"/>
+          <p:cNvCxnSpPr/>
+          <p:nvPr/>
+        </p:nvCxnSpPr>
+        <p:spPr>
+          <a:xfrm flipH="1" flipV="1">
+            <a:off x="2420983" y="2238103"/>
+            <a:ext cx="4275908" cy="3892731"/>
+          </a:xfrm>
+          <a:prstGeom prst="straightConnector1">
+            <a:avLst/>
+          </a:prstGeom>
+          <a:ln>
+            <a:solidFill>
+              <a:schemeClr val="tx1"/>
+            </a:solidFill>
+            <a:tailEnd type="triangle"/>
+          </a:ln>
+        </p:spPr>
+        <p:style>
+          <a:lnRef idx="1">
+            <a:schemeClr val="accent1"/>
+          </a:lnRef>
+          <a:fillRef idx="0">
+            <a:schemeClr val="accent1"/>
+          </a:fillRef>
+          <a:effectRef idx="0">
+            <a:schemeClr val="accent1"/>
+          </a:effectRef>
+          <a:fontRef idx="minor">
+            <a:schemeClr val="tx1"/>
+          </a:fontRef>
+        </p:style>
+      </p:cxnSp>
     </p:spTree>
     <p:extLst>
       <p:ext uri="{BB962C8B-B14F-4D97-AF65-F5344CB8AC3E}">

--- a/concurrent/target/classes/com/daxin/concurrent/java并发之线程池学习.pptx
+++ b/concurrent/target/classes/com/daxin/concurrent/java并发之线程池学习.pptx
@@ -17,9 +17,9 @@
     <p:sldId id="266" r:id="rId11"/>
     <p:sldId id="302" r:id="rId12"/>
     <p:sldId id="264" r:id="rId13"/>
-    <p:sldId id="267" r:id="rId14"/>
-    <p:sldId id="268" r:id="rId15"/>
-    <p:sldId id="269" r:id="rId16"/>
+    <p:sldId id="268" r:id="rId14"/>
+    <p:sldId id="269" r:id="rId15"/>
+    <p:sldId id="267" r:id="rId16"/>
     <p:sldId id="270" r:id="rId17"/>
     <p:sldId id="271" r:id="rId18"/>
     <p:sldId id="272" r:id="rId19"/>
@@ -4106,10 +4106,1035 @@
           <a:chExt cx="0" cy="0"/>
         </a:xfrm>
       </p:grpSpPr>
+      <p:sp>
+        <p:nvSpPr>
+          <p:cNvPr id="2" name="矩形 1"/>
+          <p:cNvSpPr/>
+          <p:nvPr/>
+        </p:nvSpPr>
+        <p:spPr>
+          <a:xfrm>
+            <a:off x="5586545" y="6095999"/>
+            <a:ext cx="1780906" cy="409302"/>
+          </a:xfrm>
+          <a:prstGeom prst="rect">
+            <a:avLst/>
+          </a:prstGeom>
+        </p:spPr>
+        <p:style>
+          <a:lnRef idx="2">
+            <a:schemeClr val="accent1">
+              <a:shade val="50000"/>
+            </a:schemeClr>
+          </a:lnRef>
+          <a:fillRef idx="1">
+            <a:schemeClr val="accent1"/>
+          </a:fillRef>
+          <a:effectRef idx="0">
+            <a:schemeClr val="accent1"/>
+          </a:effectRef>
+          <a:fontRef idx="minor">
+            <a:schemeClr val="lt1"/>
+          </a:fontRef>
+        </p:style>
+        <p:txBody>
+          <a:bodyPr rtlCol="0" anchor="ctr"/>
+          <a:lstStyle/>
+          <a:p>
+            <a:pPr algn="ctr"/>
+            <a:r>
+              <a:rPr lang="en-US" altLang="zh-CN" sz="1200"/>
+              <a:t>ScheduledFutureTask&lt;V&gt;</a:t>
+            </a:r>
+            <a:endParaRPr lang="zh-CN" altLang="en-US" sz="1200">
+              <a:solidFill>
+                <a:schemeClr val="tx1"/>
+              </a:solidFill>
+            </a:endParaRPr>
+          </a:p>
+        </p:txBody>
+      </p:sp>
+      <p:sp>
+        <p:nvSpPr>
+          <p:cNvPr id="3" name="矩形 2"/>
+          <p:cNvSpPr/>
+          <p:nvPr/>
+        </p:nvSpPr>
+        <p:spPr>
+          <a:xfrm>
+            <a:off x="2616925" y="4733105"/>
+            <a:ext cx="1471749" cy="409302"/>
+          </a:xfrm>
+          <a:prstGeom prst="rect">
+            <a:avLst/>
+          </a:prstGeom>
+        </p:spPr>
+        <p:style>
+          <a:lnRef idx="2">
+            <a:schemeClr val="accent1">
+              <a:shade val="50000"/>
+            </a:schemeClr>
+          </a:lnRef>
+          <a:fillRef idx="1">
+            <a:schemeClr val="accent1"/>
+          </a:fillRef>
+          <a:effectRef idx="0">
+            <a:schemeClr val="accent1"/>
+          </a:effectRef>
+          <a:fontRef idx="minor">
+            <a:schemeClr val="lt1"/>
+          </a:fontRef>
+        </p:style>
+        <p:txBody>
+          <a:bodyPr rtlCol="0" anchor="ctr"/>
+          <a:lstStyle/>
+          <a:p>
+            <a:pPr algn="ctr"/>
+            <a:r>
+              <a:rPr lang="en-US" altLang="zh-CN" sz="1200"/>
+              <a:t>FutureTask&lt;V&gt;</a:t>
+            </a:r>
+            <a:endParaRPr lang="zh-CN" altLang="en-US" sz="1200">
+              <a:solidFill>
+                <a:schemeClr val="tx1"/>
+              </a:solidFill>
+            </a:endParaRPr>
+          </a:p>
+        </p:txBody>
+      </p:sp>
+      <p:sp>
+        <p:nvSpPr>
+          <p:cNvPr id="4" name="矩形 3"/>
+          <p:cNvSpPr/>
+          <p:nvPr/>
+        </p:nvSpPr>
+        <p:spPr>
+          <a:xfrm>
+            <a:off x="7754980" y="4733105"/>
+            <a:ext cx="2146666" cy="409302"/>
+          </a:xfrm>
+          <a:prstGeom prst="rect">
+            <a:avLst/>
+          </a:prstGeom>
+        </p:spPr>
+        <p:style>
+          <a:lnRef idx="2">
+            <a:schemeClr val="accent1">
+              <a:shade val="50000"/>
+            </a:schemeClr>
+          </a:lnRef>
+          <a:fillRef idx="1">
+            <a:schemeClr val="accent1"/>
+          </a:fillRef>
+          <a:effectRef idx="0">
+            <a:schemeClr val="accent1"/>
+          </a:effectRef>
+          <a:fontRef idx="minor">
+            <a:schemeClr val="lt1"/>
+          </a:fontRef>
+        </p:style>
+        <p:txBody>
+          <a:bodyPr rtlCol="0" anchor="ctr"/>
+          <a:lstStyle/>
+          <a:p>
+            <a:pPr algn="ctr"/>
+            <a:r>
+              <a:rPr lang="en-US" altLang="zh-CN" sz="1200">
+                <a:solidFill>
+                  <a:schemeClr val="tx1"/>
+                </a:solidFill>
+              </a:rPr>
+              <a:t>RunnableScheduledFuture&lt;V&gt;</a:t>
+            </a:r>
+            <a:endParaRPr lang="zh-CN" altLang="en-US" sz="1200">
+              <a:solidFill>
+                <a:schemeClr val="tx1"/>
+              </a:solidFill>
+            </a:endParaRPr>
+          </a:p>
+        </p:txBody>
+      </p:sp>
+      <p:sp>
+        <p:nvSpPr>
+          <p:cNvPr id="5" name="文本框 4"/>
+          <p:cNvSpPr txBox="1"/>
+          <p:nvPr/>
+        </p:nvSpPr>
+        <p:spPr>
+          <a:xfrm>
+            <a:off x="10519954" y="156755"/>
+            <a:ext cx="1261884" cy="461665"/>
+          </a:xfrm>
+          <a:prstGeom prst="rect">
+            <a:avLst/>
+          </a:prstGeom>
+          <a:noFill/>
+        </p:spPr>
+        <p:txBody>
+          <a:bodyPr wrap="none" rtlCol="0">
+            <a:spAutoFit/>
+          </a:bodyPr>
+          <a:lstStyle/>
+          <a:p>
+            <a:r>
+              <a:rPr lang="zh-CN" altLang="en-US" sz="1200" smtClean="0">
+                <a:solidFill>
+                  <a:srgbClr val="FFFF00"/>
+                </a:solidFill>
+              </a:rPr>
+              <a:t>白色字体是类</a:t>
+            </a:r>
+            <a:endParaRPr lang="en-US" altLang="zh-CN" sz="1200" smtClean="0">
+              <a:solidFill>
+                <a:srgbClr val="FFFF00"/>
+              </a:solidFill>
+            </a:endParaRPr>
+          </a:p>
+          <a:p>
+            <a:r>
+              <a:rPr lang="zh-CN" altLang="en-US" sz="1200" smtClean="0">
+                <a:solidFill>
+                  <a:srgbClr val="FFFF00"/>
+                </a:solidFill>
+              </a:rPr>
+              <a:t>黑色字体是接口</a:t>
+            </a:r>
+            <a:endParaRPr lang="zh-CN" altLang="en-US" sz="1200">
+              <a:solidFill>
+                <a:srgbClr val="FFFF00"/>
+              </a:solidFill>
+            </a:endParaRPr>
+          </a:p>
+        </p:txBody>
+      </p:sp>
+      <p:cxnSp>
+        <p:nvCxnSpPr>
+          <p:cNvPr id="7" name="直接箭头连接符 6"/>
+          <p:cNvCxnSpPr>
+            <a:stCxn id="2" idx="0"/>
+          </p:cNvCxnSpPr>
+          <p:nvPr/>
+        </p:nvCxnSpPr>
+        <p:spPr>
+          <a:xfrm flipH="1" flipV="1">
+            <a:off x="3352797" y="5142408"/>
+            <a:ext cx="3124201" cy="953591"/>
+          </a:xfrm>
+          <a:prstGeom prst="straightConnector1">
+            <a:avLst/>
+          </a:prstGeom>
+          <a:ln>
+            <a:solidFill>
+              <a:schemeClr val="tx1"/>
+            </a:solidFill>
+            <a:tailEnd type="triangle"/>
+          </a:ln>
+        </p:spPr>
+        <p:style>
+          <a:lnRef idx="1">
+            <a:schemeClr val="accent1"/>
+          </a:lnRef>
+          <a:fillRef idx="0">
+            <a:schemeClr val="accent1"/>
+          </a:fillRef>
+          <a:effectRef idx="0">
+            <a:schemeClr val="accent1"/>
+          </a:effectRef>
+          <a:fontRef idx="minor">
+            <a:schemeClr val="tx1"/>
+          </a:fontRef>
+        </p:style>
+      </p:cxnSp>
+      <p:cxnSp>
+        <p:nvCxnSpPr>
+          <p:cNvPr id="10" name="直接箭头连接符 9"/>
+          <p:cNvCxnSpPr>
+            <a:stCxn id="2" idx="0"/>
+            <a:endCxn id="4" idx="2"/>
+          </p:cNvCxnSpPr>
+          <p:nvPr/>
+        </p:nvCxnSpPr>
+        <p:spPr>
+          <a:xfrm flipV="1">
+            <a:off x="6476998" y="5142407"/>
+            <a:ext cx="2351315" cy="953592"/>
+          </a:xfrm>
+          <a:prstGeom prst="straightConnector1">
+            <a:avLst/>
+          </a:prstGeom>
+          <a:ln>
+            <a:solidFill>
+              <a:schemeClr val="tx1"/>
+            </a:solidFill>
+            <a:tailEnd type="triangle"/>
+          </a:ln>
+        </p:spPr>
+        <p:style>
+          <a:lnRef idx="1">
+            <a:schemeClr val="accent1"/>
+          </a:lnRef>
+          <a:fillRef idx="0">
+            <a:schemeClr val="accent1"/>
+          </a:fillRef>
+          <a:effectRef idx="0">
+            <a:schemeClr val="accent1"/>
+          </a:effectRef>
+          <a:fontRef idx="minor">
+            <a:schemeClr val="tx1"/>
+          </a:fontRef>
+        </p:style>
+      </p:cxnSp>
+      <p:sp>
+        <p:nvSpPr>
+          <p:cNvPr id="11" name="矩形 10"/>
+          <p:cNvSpPr/>
+          <p:nvPr/>
+        </p:nvSpPr>
+        <p:spPr>
+          <a:xfrm>
+            <a:off x="5586545" y="531929"/>
+            <a:ext cx="1658986" cy="409302"/>
+          </a:xfrm>
+          <a:prstGeom prst="rect">
+            <a:avLst/>
+          </a:prstGeom>
+        </p:spPr>
+        <p:style>
+          <a:lnRef idx="2">
+            <a:schemeClr val="accent1">
+              <a:shade val="50000"/>
+            </a:schemeClr>
+          </a:lnRef>
+          <a:fillRef idx="1">
+            <a:schemeClr val="accent1"/>
+          </a:fillRef>
+          <a:effectRef idx="0">
+            <a:schemeClr val="accent1"/>
+          </a:effectRef>
+          <a:fontRef idx="minor">
+            <a:schemeClr val="lt1"/>
+          </a:fontRef>
+        </p:style>
+        <p:txBody>
+          <a:bodyPr rtlCol="0" anchor="ctr"/>
+          <a:lstStyle/>
+          <a:p>
+            <a:pPr algn="ctr"/>
+            <a:r>
+              <a:rPr lang="en-US" altLang="zh-CN" sz="1200">
+                <a:solidFill>
+                  <a:schemeClr val="tx1"/>
+                </a:solidFill>
+              </a:rPr>
+              <a:t>Comparable&lt;Delayed&gt;</a:t>
+            </a:r>
+            <a:endParaRPr lang="zh-CN" altLang="en-US" sz="1200">
+              <a:solidFill>
+                <a:schemeClr val="tx1"/>
+              </a:solidFill>
+            </a:endParaRPr>
+          </a:p>
+        </p:txBody>
+      </p:sp>
+      <p:sp>
+        <p:nvSpPr>
+          <p:cNvPr id="12" name="矩形 11"/>
+          <p:cNvSpPr/>
+          <p:nvPr/>
+        </p:nvSpPr>
+        <p:spPr>
+          <a:xfrm>
+            <a:off x="2616924" y="3862251"/>
+            <a:ext cx="1471749" cy="409302"/>
+          </a:xfrm>
+          <a:prstGeom prst="rect">
+            <a:avLst/>
+          </a:prstGeom>
+        </p:spPr>
+        <p:style>
+          <a:lnRef idx="2">
+            <a:schemeClr val="accent1">
+              <a:shade val="50000"/>
+            </a:schemeClr>
+          </a:lnRef>
+          <a:fillRef idx="1">
+            <a:schemeClr val="accent1"/>
+          </a:fillRef>
+          <a:effectRef idx="0">
+            <a:schemeClr val="accent1"/>
+          </a:effectRef>
+          <a:fontRef idx="minor">
+            <a:schemeClr val="lt1"/>
+          </a:fontRef>
+        </p:style>
+        <p:txBody>
+          <a:bodyPr rtlCol="0" anchor="ctr"/>
+          <a:lstStyle/>
+          <a:p>
+            <a:pPr algn="ctr"/>
+            <a:r>
+              <a:rPr lang="en-US" altLang="zh-CN" sz="1200">
+                <a:solidFill>
+                  <a:schemeClr val="tx1"/>
+                </a:solidFill>
+              </a:rPr>
+              <a:t>RunnableFuture&lt;V&gt;</a:t>
+            </a:r>
+            <a:endParaRPr lang="zh-CN" altLang="en-US" sz="1200">
+              <a:solidFill>
+                <a:schemeClr val="tx1"/>
+              </a:solidFill>
+            </a:endParaRPr>
+          </a:p>
+        </p:txBody>
+      </p:sp>
+      <p:cxnSp>
+        <p:nvCxnSpPr>
+          <p:cNvPr id="14" name="直接箭头连接符 13"/>
+          <p:cNvCxnSpPr>
+            <a:stCxn id="3" idx="0"/>
+            <a:endCxn id="12" idx="2"/>
+          </p:cNvCxnSpPr>
+          <p:nvPr/>
+        </p:nvCxnSpPr>
+        <p:spPr>
+          <a:xfrm flipH="1" flipV="1">
+            <a:off x="3352799" y="4271553"/>
+            <a:ext cx="1" cy="461552"/>
+          </a:xfrm>
+          <a:prstGeom prst="straightConnector1">
+            <a:avLst/>
+          </a:prstGeom>
+          <a:ln>
+            <a:solidFill>
+              <a:schemeClr val="tx1"/>
+            </a:solidFill>
+            <a:tailEnd type="triangle"/>
+          </a:ln>
+        </p:spPr>
+        <p:style>
+          <a:lnRef idx="1">
+            <a:schemeClr val="accent1"/>
+          </a:lnRef>
+          <a:fillRef idx="0">
+            <a:schemeClr val="accent1"/>
+          </a:fillRef>
+          <a:effectRef idx="0">
+            <a:schemeClr val="accent1"/>
+          </a:effectRef>
+          <a:fontRef idx="minor">
+            <a:schemeClr val="tx1"/>
+          </a:fontRef>
+        </p:style>
+      </p:cxnSp>
+      <p:sp>
+        <p:nvSpPr>
+          <p:cNvPr id="15" name="矩形 14"/>
+          <p:cNvSpPr/>
+          <p:nvPr/>
+        </p:nvSpPr>
+        <p:spPr>
+          <a:xfrm>
+            <a:off x="3740330" y="1972496"/>
+            <a:ext cx="1471749" cy="409302"/>
+          </a:xfrm>
+          <a:prstGeom prst="rect">
+            <a:avLst/>
+          </a:prstGeom>
+        </p:spPr>
+        <p:style>
+          <a:lnRef idx="2">
+            <a:schemeClr val="accent1">
+              <a:shade val="50000"/>
+            </a:schemeClr>
+          </a:lnRef>
+          <a:fillRef idx="1">
+            <a:schemeClr val="accent1"/>
+          </a:fillRef>
+          <a:effectRef idx="0">
+            <a:schemeClr val="accent1"/>
+          </a:effectRef>
+          <a:fontRef idx="minor">
+            <a:schemeClr val="lt1"/>
+          </a:fontRef>
+        </p:style>
+        <p:txBody>
+          <a:bodyPr rtlCol="0" anchor="ctr"/>
+          <a:lstStyle/>
+          <a:p>
+            <a:pPr algn="ctr"/>
+            <a:r>
+              <a:rPr lang="en-US" altLang="zh-CN" sz="1200">
+                <a:solidFill>
+                  <a:schemeClr val="tx1"/>
+                </a:solidFill>
+              </a:rPr>
+              <a:t> Future&lt;V&gt;</a:t>
+            </a:r>
+            <a:endParaRPr lang="zh-CN" altLang="en-US" sz="1200">
+              <a:solidFill>
+                <a:schemeClr val="tx1"/>
+              </a:solidFill>
+            </a:endParaRPr>
+          </a:p>
+        </p:txBody>
+      </p:sp>
+      <p:sp>
+        <p:nvSpPr>
+          <p:cNvPr id="16" name="矩形 15"/>
+          <p:cNvSpPr/>
+          <p:nvPr/>
+        </p:nvSpPr>
+        <p:spPr>
+          <a:xfrm>
+            <a:off x="2616923" y="3043647"/>
+            <a:ext cx="1471749" cy="409302"/>
+          </a:xfrm>
+          <a:prstGeom prst="rect">
+            <a:avLst/>
+          </a:prstGeom>
+        </p:spPr>
+        <p:style>
+          <a:lnRef idx="2">
+            <a:schemeClr val="accent1">
+              <a:shade val="50000"/>
+            </a:schemeClr>
+          </a:lnRef>
+          <a:fillRef idx="1">
+            <a:schemeClr val="accent1"/>
+          </a:fillRef>
+          <a:effectRef idx="0">
+            <a:schemeClr val="accent1"/>
+          </a:effectRef>
+          <a:fontRef idx="minor">
+            <a:schemeClr val="lt1"/>
+          </a:fontRef>
+        </p:style>
+        <p:txBody>
+          <a:bodyPr rtlCol="0" anchor="ctr"/>
+          <a:lstStyle/>
+          <a:p>
+            <a:pPr algn="ctr"/>
+            <a:r>
+              <a:rPr lang="en-US" altLang="zh-CN" sz="1200">
+                <a:solidFill>
+                  <a:schemeClr val="tx1"/>
+                </a:solidFill>
+              </a:rPr>
+              <a:t>RunnableFuture&lt;V&gt;</a:t>
+            </a:r>
+            <a:endParaRPr lang="zh-CN" altLang="en-US" sz="1200">
+              <a:solidFill>
+                <a:schemeClr val="tx1"/>
+              </a:solidFill>
+            </a:endParaRPr>
+          </a:p>
+        </p:txBody>
+      </p:sp>
+      <p:cxnSp>
+        <p:nvCxnSpPr>
+          <p:cNvPr id="18" name="直接箭头连接符 17"/>
+          <p:cNvCxnSpPr>
+            <a:stCxn id="12" idx="0"/>
+            <a:endCxn id="16" idx="2"/>
+          </p:cNvCxnSpPr>
+          <p:nvPr/>
+        </p:nvCxnSpPr>
+        <p:spPr>
+          <a:xfrm flipH="1" flipV="1">
+            <a:off x="3352798" y="3452949"/>
+            <a:ext cx="1" cy="409302"/>
+          </a:xfrm>
+          <a:prstGeom prst="straightConnector1">
+            <a:avLst/>
+          </a:prstGeom>
+          <a:ln>
+            <a:solidFill>
+              <a:schemeClr val="tx1"/>
+            </a:solidFill>
+            <a:tailEnd type="triangle"/>
+          </a:ln>
+        </p:spPr>
+        <p:style>
+          <a:lnRef idx="1">
+            <a:schemeClr val="accent1"/>
+          </a:lnRef>
+          <a:fillRef idx="0">
+            <a:schemeClr val="accent1"/>
+          </a:fillRef>
+          <a:effectRef idx="0">
+            <a:schemeClr val="accent1"/>
+          </a:effectRef>
+          <a:fontRef idx="minor">
+            <a:schemeClr val="tx1"/>
+          </a:fontRef>
+        </p:style>
+      </p:cxnSp>
+      <p:sp>
+        <p:nvSpPr>
+          <p:cNvPr id="19" name="矩形 18"/>
+          <p:cNvSpPr/>
+          <p:nvPr/>
+        </p:nvSpPr>
+        <p:spPr>
+          <a:xfrm>
+            <a:off x="1145174" y="1994267"/>
+            <a:ext cx="1471749" cy="409302"/>
+          </a:xfrm>
+          <a:prstGeom prst="rect">
+            <a:avLst/>
+          </a:prstGeom>
+        </p:spPr>
+        <p:style>
+          <a:lnRef idx="2">
+            <a:schemeClr val="accent1">
+              <a:shade val="50000"/>
+            </a:schemeClr>
+          </a:lnRef>
+          <a:fillRef idx="1">
+            <a:schemeClr val="accent1"/>
+          </a:fillRef>
+          <a:effectRef idx="0">
+            <a:schemeClr val="accent1"/>
+          </a:effectRef>
+          <a:fontRef idx="minor">
+            <a:schemeClr val="lt1"/>
+          </a:fontRef>
+        </p:style>
+        <p:txBody>
+          <a:bodyPr rtlCol="0" anchor="ctr"/>
+          <a:lstStyle/>
+          <a:p>
+            <a:pPr algn="ctr"/>
+            <a:r>
+              <a:rPr lang="en-US" altLang="zh-CN" sz="1200">
+                <a:solidFill>
+                  <a:schemeClr val="tx1"/>
+                </a:solidFill>
+              </a:rPr>
+              <a:t>Runnable</a:t>
+            </a:r>
+            <a:endParaRPr lang="zh-CN" altLang="en-US" sz="1200">
+              <a:solidFill>
+                <a:schemeClr val="tx1"/>
+              </a:solidFill>
+            </a:endParaRPr>
+          </a:p>
+        </p:txBody>
+      </p:sp>
+      <p:sp>
+        <p:nvSpPr>
+          <p:cNvPr id="20" name="矩形 19"/>
+          <p:cNvSpPr/>
+          <p:nvPr/>
+        </p:nvSpPr>
+        <p:spPr>
+          <a:xfrm>
+            <a:off x="7942215" y="3566507"/>
+            <a:ext cx="1471749" cy="409302"/>
+          </a:xfrm>
+          <a:prstGeom prst="rect">
+            <a:avLst/>
+          </a:prstGeom>
+        </p:spPr>
+        <p:style>
+          <a:lnRef idx="2">
+            <a:schemeClr val="accent1">
+              <a:shade val="50000"/>
+            </a:schemeClr>
+          </a:lnRef>
+          <a:fillRef idx="1">
+            <a:schemeClr val="accent1"/>
+          </a:fillRef>
+          <a:effectRef idx="0">
+            <a:schemeClr val="accent1"/>
+          </a:effectRef>
+          <a:fontRef idx="minor">
+            <a:schemeClr val="lt1"/>
+          </a:fontRef>
+        </p:style>
+        <p:txBody>
+          <a:bodyPr rtlCol="0" anchor="ctr"/>
+          <a:lstStyle/>
+          <a:p>
+            <a:pPr algn="ctr"/>
+            <a:r>
+              <a:rPr lang="en-US" altLang="zh-CN" sz="1200">
+                <a:solidFill>
+                  <a:schemeClr val="tx1"/>
+                </a:solidFill>
+              </a:rPr>
+              <a:t>ScheduledFuture&lt;V&gt;</a:t>
+            </a:r>
+            <a:endParaRPr lang="zh-CN" altLang="en-US" sz="1200">
+              <a:solidFill>
+                <a:schemeClr val="tx1"/>
+              </a:solidFill>
+            </a:endParaRPr>
+          </a:p>
+        </p:txBody>
+      </p:sp>
+      <p:cxnSp>
+        <p:nvCxnSpPr>
+          <p:cNvPr id="22" name="直接箭头连接符 21"/>
+          <p:cNvCxnSpPr>
+            <a:endCxn id="19" idx="2"/>
+          </p:cNvCxnSpPr>
+          <p:nvPr/>
+        </p:nvCxnSpPr>
+        <p:spPr>
+          <a:xfrm flipH="1" flipV="1">
+            <a:off x="1881049" y="2403569"/>
+            <a:ext cx="735874" cy="640078"/>
+          </a:xfrm>
+          <a:prstGeom prst="straightConnector1">
+            <a:avLst/>
+          </a:prstGeom>
+          <a:ln>
+            <a:solidFill>
+              <a:schemeClr val="tx1"/>
+            </a:solidFill>
+            <a:tailEnd type="triangle"/>
+          </a:ln>
+        </p:spPr>
+        <p:style>
+          <a:lnRef idx="1">
+            <a:schemeClr val="accent1"/>
+          </a:lnRef>
+          <a:fillRef idx="0">
+            <a:schemeClr val="accent1"/>
+          </a:fillRef>
+          <a:effectRef idx="0">
+            <a:schemeClr val="accent1"/>
+          </a:effectRef>
+          <a:fontRef idx="minor">
+            <a:schemeClr val="tx1"/>
+          </a:fontRef>
+        </p:style>
+      </p:cxnSp>
+      <p:cxnSp>
+        <p:nvCxnSpPr>
+          <p:cNvPr id="25" name="直接箭头连接符 24"/>
+          <p:cNvCxnSpPr>
+            <a:endCxn id="15" idx="2"/>
+          </p:cNvCxnSpPr>
+          <p:nvPr/>
+        </p:nvCxnSpPr>
+        <p:spPr>
+          <a:xfrm flipV="1">
+            <a:off x="4088672" y="2381798"/>
+            <a:ext cx="387533" cy="661849"/>
+          </a:xfrm>
+          <a:prstGeom prst="straightConnector1">
+            <a:avLst/>
+          </a:prstGeom>
+          <a:ln>
+            <a:solidFill>
+              <a:schemeClr val="tx1"/>
+            </a:solidFill>
+            <a:tailEnd type="triangle"/>
+          </a:ln>
+        </p:spPr>
+        <p:style>
+          <a:lnRef idx="1">
+            <a:schemeClr val="accent1"/>
+          </a:lnRef>
+          <a:fillRef idx="0">
+            <a:schemeClr val="accent1"/>
+          </a:fillRef>
+          <a:effectRef idx="0">
+            <a:schemeClr val="accent1"/>
+          </a:effectRef>
+          <a:fontRef idx="minor">
+            <a:schemeClr val="tx1"/>
+          </a:fontRef>
+        </p:style>
+      </p:cxnSp>
+      <p:cxnSp>
+        <p:nvCxnSpPr>
+          <p:cNvPr id="35" name="直接箭头连接符 34"/>
+          <p:cNvCxnSpPr>
+            <a:stCxn id="4" idx="0"/>
+            <a:endCxn id="12" idx="2"/>
+          </p:cNvCxnSpPr>
+          <p:nvPr/>
+        </p:nvCxnSpPr>
+        <p:spPr>
+          <a:xfrm flipH="1" flipV="1">
+            <a:off x="3352799" y="4271553"/>
+            <a:ext cx="5475514" cy="461552"/>
+          </a:xfrm>
+          <a:prstGeom prst="straightConnector1">
+            <a:avLst/>
+          </a:prstGeom>
+          <a:ln>
+            <a:solidFill>
+              <a:schemeClr val="tx1"/>
+            </a:solidFill>
+            <a:tailEnd type="triangle"/>
+          </a:ln>
+        </p:spPr>
+        <p:style>
+          <a:lnRef idx="1">
+            <a:schemeClr val="accent1"/>
+          </a:lnRef>
+          <a:fillRef idx="0">
+            <a:schemeClr val="accent1"/>
+          </a:fillRef>
+          <a:effectRef idx="0">
+            <a:schemeClr val="accent1"/>
+          </a:effectRef>
+          <a:fontRef idx="minor">
+            <a:schemeClr val="tx1"/>
+          </a:fontRef>
+        </p:style>
+      </p:cxnSp>
+      <p:cxnSp>
+        <p:nvCxnSpPr>
+          <p:cNvPr id="37" name="直接箭头连接符 36"/>
+          <p:cNvCxnSpPr>
+            <a:stCxn id="4" idx="0"/>
+            <a:endCxn id="20" idx="2"/>
+          </p:cNvCxnSpPr>
+          <p:nvPr/>
+        </p:nvCxnSpPr>
+        <p:spPr>
+          <a:xfrm flipH="1" flipV="1">
+            <a:off x="8678090" y="3975809"/>
+            <a:ext cx="150223" cy="757296"/>
+          </a:xfrm>
+          <a:prstGeom prst="straightConnector1">
+            <a:avLst/>
+          </a:prstGeom>
+          <a:ln>
+            <a:solidFill>
+              <a:schemeClr val="tx1"/>
+            </a:solidFill>
+            <a:tailEnd type="triangle"/>
+          </a:ln>
+        </p:spPr>
+        <p:style>
+          <a:lnRef idx="1">
+            <a:schemeClr val="accent1"/>
+          </a:lnRef>
+          <a:fillRef idx="0">
+            <a:schemeClr val="accent1"/>
+          </a:fillRef>
+          <a:effectRef idx="0">
+            <a:schemeClr val="accent1"/>
+          </a:effectRef>
+          <a:fontRef idx="minor">
+            <a:schemeClr val="tx1"/>
+          </a:fontRef>
+        </p:style>
+      </p:cxnSp>
+      <p:sp>
+        <p:nvSpPr>
+          <p:cNvPr id="40" name="矩形 39"/>
+          <p:cNvSpPr/>
+          <p:nvPr/>
+        </p:nvSpPr>
+        <p:spPr>
+          <a:xfrm>
+            <a:off x="7922622" y="1933308"/>
+            <a:ext cx="1471749" cy="409302"/>
+          </a:xfrm>
+          <a:prstGeom prst="rect">
+            <a:avLst/>
+          </a:prstGeom>
+        </p:spPr>
+        <p:style>
+          <a:lnRef idx="2">
+            <a:schemeClr val="accent1">
+              <a:shade val="50000"/>
+            </a:schemeClr>
+          </a:lnRef>
+          <a:fillRef idx="1">
+            <a:schemeClr val="accent1"/>
+          </a:fillRef>
+          <a:effectRef idx="0">
+            <a:schemeClr val="accent1"/>
+          </a:effectRef>
+          <a:fontRef idx="minor">
+            <a:schemeClr val="lt1"/>
+          </a:fontRef>
+        </p:style>
+        <p:txBody>
+          <a:bodyPr rtlCol="0" anchor="ctr"/>
+          <a:lstStyle/>
+          <a:p>
+            <a:pPr algn="ctr"/>
+            <a:r>
+              <a:rPr lang="en-US" altLang="zh-CN" sz="1200">
+                <a:solidFill>
+                  <a:schemeClr val="tx1"/>
+                </a:solidFill>
+              </a:rPr>
+              <a:t>Delayed</a:t>
+            </a:r>
+            <a:endParaRPr lang="zh-CN" altLang="en-US" sz="1200">
+              <a:solidFill>
+                <a:schemeClr val="tx1"/>
+              </a:solidFill>
+            </a:endParaRPr>
+          </a:p>
+        </p:txBody>
+      </p:sp>
+      <p:cxnSp>
+        <p:nvCxnSpPr>
+          <p:cNvPr id="42" name="直接箭头连接符 41"/>
+          <p:cNvCxnSpPr>
+            <a:stCxn id="20" idx="0"/>
+            <a:endCxn id="15" idx="2"/>
+          </p:cNvCxnSpPr>
+          <p:nvPr/>
+        </p:nvCxnSpPr>
+        <p:spPr>
+          <a:xfrm flipH="1" flipV="1">
+            <a:off x="4476205" y="2381798"/>
+            <a:ext cx="4201885" cy="1184709"/>
+          </a:xfrm>
+          <a:prstGeom prst="straightConnector1">
+            <a:avLst/>
+          </a:prstGeom>
+          <a:ln>
+            <a:solidFill>
+              <a:schemeClr val="tx1"/>
+            </a:solidFill>
+            <a:tailEnd type="triangle"/>
+          </a:ln>
+        </p:spPr>
+        <p:style>
+          <a:lnRef idx="1">
+            <a:schemeClr val="accent1"/>
+          </a:lnRef>
+          <a:fillRef idx="0">
+            <a:schemeClr val="accent1"/>
+          </a:fillRef>
+          <a:effectRef idx="0">
+            <a:schemeClr val="accent1"/>
+          </a:effectRef>
+          <a:fontRef idx="minor">
+            <a:schemeClr val="tx1"/>
+          </a:fontRef>
+        </p:style>
+      </p:cxnSp>
+      <p:cxnSp>
+        <p:nvCxnSpPr>
+          <p:cNvPr id="46" name="直接箭头连接符 45"/>
+          <p:cNvCxnSpPr>
+            <a:stCxn id="20" idx="0"/>
+            <a:endCxn id="40" idx="2"/>
+          </p:cNvCxnSpPr>
+          <p:nvPr/>
+        </p:nvCxnSpPr>
+        <p:spPr>
+          <a:xfrm flipH="1" flipV="1">
+            <a:off x="8658497" y="2342610"/>
+            <a:ext cx="19593" cy="1223897"/>
+          </a:xfrm>
+          <a:prstGeom prst="straightConnector1">
+            <a:avLst/>
+          </a:prstGeom>
+          <a:ln>
+            <a:solidFill>
+              <a:schemeClr val="tx1"/>
+            </a:solidFill>
+            <a:tailEnd type="triangle"/>
+          </a:ln>
+        </p:spPr>
+        <p:style>
+          <a:lnRef idx="1">
+            <a:schemeClr val="accent1"/>
+          </a:lnRef>
+          <a:fillRef idx="0">
+            <a:schemeClr val="accent1"/>
+          </a:fillRef>
+          <a:effectRef idx="0">
+            <a:schemeClr val="accent1"/>
+          </a:effectRef>
+          <a:fontRef idx="minor">
+            <a:schemeClr val="tx1"/>
+          </a:fontRef>
+        </p:style>
+      </p:cxnSp>
+      <p:cxnSp>
+        <p:nvCxnSpPr>
+          <p:cNvPr id="48" name="直接箭头连接符 47"/>
+          <p:cNvCxnSpPr>
+            <a:stCxn id="40" idx="0"/>
+            <a:endCxn id="11" idx="2"/>
+          </p:cNvCxnSpPr>
+          <p:nvPr/>
+        </p:nvCxnSpPr>
+        <p:spPr>
+          <a:xfrm flipH="1" flipV="1">
+            <a:off x="6416038" y="941231"/>
+            <a:ext cx="2242459" cy="992077"/>
+          </a:xfrm>
+          <a:prstGeom prst="straightConnector1">
+            <a:avLst/>
+          </a:prstGeom>
+          <a:ln>
+            <a:solidFill>
+              <a:schemeClr val="tx1"/>
+            </a:solidFill>
+            <a:tailEnd type="triangle"/>
+          </a:ln>
+        </p:spPr>
+        <p:style>
+          <a:lnRef idx="1">
+            <a:schemeClr val="accent1"/>
+          </a:lnRef>
+          <a:fillRef idx="0">
+            <a:schemeClr val="accent1"/>
+          </a:fillRef>
+          <a:effectRef idx="0">
+            <a:schemeClr val="accent1"/>
+          </a:effectRef>
+          <a:fontRef idx="minor">
+            <a:schemeClr val="tx1"/>
+          </a:fontRef>
+        </p:style>
+      </p:cxnSp>
+      <p:sp>
+        <p:nvSpPr>
+          <p:cNvPr id="57" name="文本框 56"/>
+          <p:cNvSpPr txBox="1"/>
+          <p:nvPr/>
+        </p:nvSpPr>
+        <p:spPr>
+          <a:xfrm>
+            <a:off x="194913" y="249088"/>
+            <a:ext cx="3372270" cy="369332"/>
+          </a:xfrm>
+          <a:prstGeom prst="rect">
+            <a:avLst/>
+          </a:prstGeom>
+          <a:noFill/>
+        </p:spPr>
+        <p:txBody>
+          <a:bodyPr wrap="none" rtlCol="0">
+            <a:spAutoFit/>
+          </a:bodyPr>
+          <a:lstStyle/>
+          <a:p>
+            <a:r>
+              <a:rPr lang="en-US" altLang="zh-CN" b="1" smtClean="0"/>
+              <a:t>ScheduledFutureTask</a:t>
+            </a:r>
+            <a:r>
+              <a:rPr lang="zh-CN" altLang="en-US" b="1" smtClean="0"/>
+              <a:t>继承结构：</a:t>
+            </a:r>
+            <a:endParaRPr lang="zh-CN" altLang="en-US" b="1"/>
+          </a:p>
+        </p:txBody>
+      </p:sp>
     </p:spTree>
     <p:extLst>
       <p:ext uri="{BB962C8B-B14F-4D97-AF65-F5344CB8AC3E}">
-        <p14:creationId xmlns:p14="http://schemas.microsoft.com/office/powerpoint/2010/main" val="3314069991"/>
+        <p14:creationId xmlns:p14="http://schemas.microsoft.com/office/powerpoint/2010/main" val="900013617"/>
       </p:ext>
     </p:extLst>
   </p:cSld>
@@ -4146,10 +5171,34 @@
           <a:chExt cx="0" cy="0"/>
         </a:xfrm>
       </p:grpSpPr>
+      <p:pic>
+        <p:nvPicPr>
+          <p:cNvPr id="2" name="图片 1"/>
+          <p:cNvPicPr>
+            <a:picLocks noChangeAspect="1"/>
+          </p:cNvPicPr>
+          <p:nvPr/>
+        </p:nvPicPr>
+        <p:blipFill>
+          <a:blip r:embed="rId2"/>
+          <a:stretch>
+            <a:fillRect/>
+          </a:stretch>
+        </p:blipFill>
+        <p:spPr>
+          <a:xfrm>
+            <a:off x="444426" y="200459"/>
+            <a:ext cx="6809524" cy="2590476"/>
+          </a:xfrm>
+          <a:prstGeom prst="rect">
+            <a:avLst/>
+          </a:prstGeom>
+        </p:spPr>
+      </p:pic>
     </p:spTree>
     <p:extLst>
       <p:ext uri="{BB962C8B-B14F-4D97-AF65-F5344CB8AC3E}">
-        <p14:creationId xmlns:p14="http://schemas.microsoft.com/office/powerpoint/2010/main" val="900013617"/>
+        <p14:creationId xmlns:p14="http://schemas.microsoft.com/office/powerpoint/2010/main" val="3460776856"/>
       </p:ext>
     </p:extLst>
   </p:cSld>
@@ -4186,10 +5235,34 @@
           <a:chExt cx="0" cy="0"/>
         </a:xfrm>
       </p:grpSpPr>
+      <p:pic>
+        <p:nvPicPr>
+          <p:cNvPr id="2" name="图片 1"/>
+          <p:cNvPicPr>
+            <a:picLocks noChangeAspect="1"/>
+          </p:cNvPicPr>
+          <p:nvPr/>
+        </p:nvPicPr>
+        <p:blipFill>
+          <a:blip r:embed="rId2"/>
+          <a:stretch>
+            <a:fillRect/>
+          </a:stretch>
+        </p:blipFill>
+        <p:spPr>
+          <a:xfrm>
+            <a:off x="2078857" y="2605953"/>
+            <a:ext cx="5857143" cy="2952381"/>
+          </a:xfrm>
+          <a:prstGeom prst="rect">
+            <a:avLst/>
+          </a:prstGeom>
+        </p:spPr>
+      </p:pic>
     </p:spTree>
     <p:extLst>
       <p:ext uri="{BB962C8B-B14F-4D97-AF65-F5344CB8AC3E}">
-        <p14:creationId xmlns:p14="http://schemas.microsoft.com/office/powerpoint/2010/main" val="3460776856"/>
+        <p14:creationId xmlns:p14="http://schemas.microsoft.com/office/powerpoint/2010/main" val="3314069991"/>
       </p:ext>
     </p:extLst>
   </p:cSld>

--- a/concurrent/target/classes/com/daxin/concurrent/java并发之线程池学习.pptx
+++ b/concurrent/target/classes/com/daxin/concurrent/java并发之线程池学习.pptx
@@ -16,11 +16,11 @@
     <p:sldId id="265" r:id="rId10"/>
     <p:sldId id="266" r:id="rId11"/>
     <p:sldId id="302" r:id="rId12"/>
-    <p:sldId id="264" r:id="rId13"/>
-    <p:sldId id="268" r:id="rId14"/>
-    <p:sldId id="269" r:id="rId15"/>
-    <p:sldId id="267" r:id="rId16"/>
-    <p:sldId id="270" r:id="rId17"/>
+    <p:sldId id="268" r:id="rId13"/>
+    <p:sldId id="269" r:id="rId14"/>
+    <p:sldId id="267" r:id="rId15"/>
+    <p:sldId id="270" r:id="rId16"/>
+    <p:sldId id="264" r:id="rId17"/>
     <p:sldId id="271" r:id="rId18"/>
     <p:sldId id="272" r:id="rId19"/>
     <p:sldId id="273" r:id="rId20"/>
@@ -289,7 +289,7 @@
           <a:p>
             <a:fld id="{4C66DA94-FE23-4F8C-9219-15A8745059B3}" type="datetimeFigureOut">
               <a:rPr lang="zh-CN" altLang="en-US" smtClean="0"/>
-              <a:t>2017/4/8</a:t>
+              <a:t>2017/4/9</a:t>
             </a:fld>
             <a:endParaRPr lang="zh-CN" altLang="en-US"/>
           </a:p>
@@ -459,7 +459,7 @@
           <a:p>
             <a:fld id="{4C66DA94-FE23-4F8C-9219-15A8745059B3}" type="datetimeFigureOut">
               <a:rPr lang="zh-CN" altLang="en-US" smtClean="0"/>
-              <a:t>2017/4/8</a:t>
+              <a:t>2017/4/9</a:t>
             </a:fld>
             <a:endParaRPr lang="zh-CN" altLang="en-US"/>
           </a:p>
@@ -639,7 +639,7 @@
           <a:p>
             <a:fld id="{4C66DA94-FE23-4F8C-9219-15A8745059B3}" type="datetimeFigureOut">
               <a:rPr lang="zh-CN" altLang="en-US" smtClean="0"/>
-              <a:t>2017/4/8</a:t>
+              <a:t>2017/4/9</a:t>
             </a:fld>
             <a:endParaRPr lang="zh-CN" altLang="en-US"/>
           </a:p>
@@ -809,7 +809,7 @@
           <a:p>
             <a:fld id="{4C66DA94-FE23-4F8C-9219-15A8745059B3}" type="datetimeFigureOut">
               <a:rPr lang="zh-CN" altLang="en-US" smtClean="0"/>
-              <a:t>2017/4/8</a:t>
+              <a:t>2017/4/9</a:t>
             </a:fld>
             <a:endParaRPr lang="zh-CN" altLang="en-US"/>
           </a:p>
@@ -1055,7 +1055,7 @@
           <a:p>
             <a:fld id="{4C66DA94-FE23-4F8C-9219-15A8745059B3}" type="datetimeFigureOut">
               <a:rPr lang="zh-CN" altLang="en-US" smtClean="0"/>
-              <a:t>2017/4/8</a:t>
+              <a:t>2017/4/9</a:t>
             </a:fld>
             <a:endParaRPr lang="zh-CN" altLang="en-US"/>
           </a:p>
@@ -1287,7 +1287,7 @@
           <a:p>
             <a:fld id="{4C66DA94-FE23-4F8C-9219-15A8745059B3}" type="datetimeFigureOut">
               <a:rPr lang="zh-CN" altLang="en-US" smtClean="0"/>
-              <a:t>2017/4/8</a:t>
+              <a:t>2017/4/9</a:t>
             </a:fld>
             <a:endParaRPr lang="zh-CN" altLang="en-US"/>
           </a:p>
@@ -1654,7 +1654,7 @@
           <a:p>
             <a:fld id="{4C66DA94-FE23-4F8C-9219-15A8745059B3}" type="datetimeFigureOut">
               <a:rPr lang="zh-CN" altLang="en-US" smtClean="0"/>
-              <a:t>2017/4/8</a:t>
+              <a:t>2017/4/9</a:t>
             </a:fld>
             <a:endParaRPr lang="zh-CN" altLang="en-US"/>
           </a:p>
@@ -1772,7 +1772,7 @@
           <a:p>
             <a:fld id="{4C66DA94-FE23-4F8C-9219-15A8745059B3}" type="datetimeFigureOut">
               <a:rPr lang="zh-CN" altLang="en-US" smtClean="0"/>
-              <a:t>2017/4/8</a:t>
+              <a:t>2017/4/9</a:t>
             </a:fld>
             <a:endParaRPr lang="zh-CN" altLang="en-US"/>
           </a:p>
@@ -1867,7 +1867,7 @@
           <a:p>
             <a:fld id="{4C66DA94-FE23-4F8C-9219-15A8745059B3}" type="datetimeFigureOut">
               <a:rPr lang="zh-CN" altLang="en-US" smtClean="0"/>
-              <a:t>2017/4/8</a:t>
+              <a:t>2017/4/9</a:t>
             </a:fld>
             <a:endParaRPr lang="zh-CN" altLang="en-US"/>
           </a:p>
@@ -2144,7 +2144,7 @@
           <a:p>
             <a:fld id="{4C66DA94-FE23-4F8C-9219-15A8745059B3}" type="datetimeFigureOut">
               <a:rPr lang="zh-CN" altLang="en-US" smtClean="0"/>
-              <a:t>2017/4/8</a:t>
+              <a:t>2017/4/9</a:t>
             </a:fld>
             <a:endParaRPr lang="zh-CN" altLang="en-US"/>
           </a:p>
@@ -2397,7 +2397,7 @@
           <a:p>
             <a:fld id="{4C66DA94-FE23-4F8C-9219-15A8745059B3}" type="datetimeFigureOut">
               <a:rPr lang="zh-CN" altLang="en-US" smtClean="0"/>
-              <a:t>2017/4/8</a:t>
+              <a:t>2017/4/9</a:t>
             </a:fld>
             <a:endParaRPr lang="zh-CN" altLang="en-US"/>
           </a:p>
@@ -2610,7 +2610,7 @@
           <a:p>
             <a:fld id="{4C66DA94-FE23-4F8C-9219-15A8745059B3}" type="datetimeFigureOut">
               <a:rPr lang="zh-CN" altLang="en-US" smtClean="0"/>
-              <a:t>2017/4/8</a:t>
+              <a:t>2017/4/9</a:t>
             </a:fld>
             <a:endParaRPr lang="zh-CN" altLang="en-US"/>
           </a:p>
@@ -3840,280 +3840,6 @@
         </p:nvSpPr>
         <p:spPr>
           <a:xfrm>
-            <a:off x="0" y="390825"/>
-            <a:ext cx="10858004" cy="5201424"/>
-          </a:xfrm>
-          <a:prstGeom prst="rect">
-            <a:avLst/>
-          </a:prstGeom>
-        </p:spPr>
-        <p:txBody>
-          <a:bodyPr wrap="square">
-            <a:spAutoFit/>
-          </a:bodyPr>
-          <a:lstStyle/>
-          <a:p>
-            <a:r>
-              <a:rPr lang="zh-CN" altLang="en-US" sz="4400" smtClean="0">
-                <a:solidFill>
-                  <a:srgbClr val="FF0000"/>
-                </a:solidFill>
-              </a:rPr>
-              <a:t>书签</a:t>
-            </a:r>
-            <a:r>
-              <a:rPr lang="zh-CN" altLang="en-US" smtClean="0"/>
-              <a:t>：</a:t>
-            </a:r>
-            <a:r>
-              <a:rPr lang="en-US" altLang="zh-CN" smtClean="0"/>
-              <a:t>Scheduled</a:t>
-            </a:r>
-            <a:r>
-              <a:rPr lang="zh-CN" altLang="en-US" smtClean="0"/>
-              <a:t>明天继续研究</a:t>
-            </a:r>
-            <a:r>
-              <a:rPr lang="en-US" altLang="zh-CN" smtClean="0"/>
-              <a:t>Scheduled</a:t>
-            </a:r>
-            <a:r>
-              <a:rPr lang="zh-CN" altLang="en-US" smtClean="0"/>
-              <a:t>的并发编程，以及</a:t>
-            </a:r>
-            <a:r>
-              <a:rPr lang="en-US" altLang="zh-CN" sz="3600" b="1" smtClean="0">
-                <a:solidFill>
-                  <a:srgbClr val="FF0000"/>
-                </a:solidFill>
-              </a:rPr>
-              <a:t>DelayedWorkQueue</a:t>
-            </a:r>
-            <a:r>
-              <a:rPr lang="zh-CN" altLang="en-US" sz="3600" b="1" smtClean="0">
-                <a:solidFill>
-                  <a:srgbClr val="FF0000"/>
-                </a:solidFill>
-              </a:rPr>
-              <a:t>的学习，</a:t>
-            </a:r>
-            <a:r>
-              <a:rPr lang="zh-CN" altLang="en-US" sz="3600" b="1">
-                <a:solidFill>
-                  <a:srgbClr val="FF0000"/>
-                </a:solidFill>
-              </a:rPr>
-              <a:t>以及</a:t>
-            </a:r>
-            <a:r>
-              <a:rPr lang="en-US" altLang="zh-CN" sz="3600" b="1">
-                <a:solidFill>
-                  <a:srgbClr val="FF0000"/>
-                </a:solidFill>
-              </a:rPr>
-              <a:t>Scheduled</a:t>
-            </a:r>
-            <a:r>
-              <a:rPr lang="zh-CN" altLang="en-US" sz="3600" b="1">
-                <a:solidFill>
-                  <a:srgbClr val="FF0000"/>
-                </a:solidFill>
-              </a:rPr>
-              <a:t>执行结果处理相关的类</a:t>
-            </a:r>
-            <a:r>
-              <a:rPr lang="en-US" altLang="zh-CN" sz="3600" b="1" smtClean="0">
-                <a:solidFill>
-                  <a:srgbClr val="FF0000"/>
-                </a:solidFill>
-              </a:rPr>
-              <a:t>ScheduledFutureTask</a:t>
-            </a:r>
-            <a:r>
-              <a:rPr lang="zh-CN" altLang="en-US" sz="3600" b="1" smtClean="0">
-                <a:solidFill>
-                  <a:srgbClr val="FF0000"/>
-                </a:solidFill>
-              </a:rPr>
-              <a:t>以及</a:t>
-            </a:r>
-            <a:endParaRPr lang="en-US" altLang="zh-CN" sz="3600" b="1" smtClean="0">
-              <a:solidFill>
-                <a:srgbClr val="FF0000"/>
-              </a:solidFill>
-            </a:endParaRPr>
-          </a:p>
-          <a:p>
-            <a:r>
-              <a:rPr lang="en-US" altLang="zh-CN" sz="2000" b="1" smtClean="0">
-                <a:solidFill>
-                  <a:srgbClr val="00B050"/>
-                </a:solidFill>
-              </a:rPr>
-              <a:t>public </a:t>
-            </a:r>
-            <a:r>
-              <a:rPr lang="en-US" altLang="zh-CN" sz="2000" b="1">
-                <a:solidFill>
-                  <a:srgbClr val="00B050"/>
-                </a:solidFill>
-              </a:rPr>
-              <a:t>interface RunnableScheduledFuture&lt;V&gt; extends RunnableFuture&lt;V&gt;, ScheduledFuture&lt;V</a:t>
-            </a:r>
-            <a:r>
-              <a:rPr lang="en-US" altLang="zh-CN" sz="2000" b="1" smtClean="0">
-                <a:solidFill>
-                  <a:srgbClr val="00B050"/>
-                </a:solidFill>
-              </a:rPr>
-              <a:t>&gt;</a:t>
-            </a:r>
-          </a:p>
-          <a:p>
-            <a:endParaRPr lang="en-US" altLang="zh-CN" sz="2000" b="1">
-              <a:solidFill>
-                <a:srgbClr val="00B050"/>
-              </a:solidFill>
-            </a:endParaRPr>
-          </a:p>
-          <a:p>
-            <a:endParaRPr lang="en-US" altLang="zh-CN" sz="2000" b="1" smtClean="0">
-              <a:solidFill>
-                <a:srgbClr val="00B050"/>
-              </a:solidFill>
-            </a:endParaRPr>
-          </a:p>
-          <a:p>
-            <a:endParaRPr lang="en-US" altLang="zh-CN" sz="2000" b="1">
-              <a:solidFill>
-                <a:srgbClr val="00B050"/>
-              </a:solidFill>
-            </a:endParaRPr>
-          </a:p>
-          <a:p>
-            <a:r>
-              <a:rPr lang="en-US" altLang="zh-CN" sz="3600" b="1">
-                <a:solidFill>
-                  <a:srgbClr val="FF0000"/>
-                </a:solidFill>
-              </a:rPr>
-              <a:t>	</a:t>
-            </a:r>
-            <a:r>
-              <a:rPr lang="en-US" altLang="zh-CN" sz="3600" b="1" smtClean="0">
-                <a:solidFill>
-                  <a:srgbClr val="FF0000"/>
-                </a:solidFill>
-              </a:rPr>
-              <a:t>				</a:t>
-            </a:r>
-            <a:r>
-              <a:rPr lang="zh-CN" altLang="en-US" sz="3600" b="1" smtClean="0">
-                <a:solidFill>
-                  <a:srgbClr val="FF0000"/>
-                </a:solidFill>
-              </a:rPr>
-              <a:t>还有</a:t>
-            </a:r>
-            <a:r>
-              <a:rPr lang="zh-CN" altLang="en-US" sz="3600" b="1">
-                <a:solidFill>
-                  <a:srgbClr val="FF0000"/>
-                </a:solidFill>
-              </a:rPr>
-              <a:t>并发集合</a:t>
-            </a:r>
-            <a:endParaRPr lang="en-US" altLang="zh-CN" sz="3600" b="1">
-              <a:solidFill>
-                <a:srgbClr val="FF0000"/>
-              </a:solidFill>
-            </a:endParaRPr>
-          </a:p>
-          <a:p>
-            <a:endParaRPr lang="en-US" altLang="zh-CN" sz="2000" b="1">
-              <a:solidFill>
-                <a:srgbClr val="00B050"/>
-              </a:solidFill>
-            </a:endParaRPr>
-          </a:p>
-          <a:p>
-            <a:endParaRPr lang="en-US" altLang="zh-CN" sz="2000" b="1" smtClean="0">
-              <a:solidFill>
-                <a:srgbClr val="00B050"/>
-              </a:solidFill>
-            </a:endParaRPr>
-          </a:p>
-          <a:p>
-            <a:endParaRPr lang="en-US" altLang="zh-CN" sz="2000" b="1">
-              <a:solidFill>
-                <a:srgbClr val="00B050"/>
-              </a:solidFill>
-            </a:endParaRPr>
-          </a:p>
-          <a:p>
-            <a:endParaRPr lang="en-US" altLang="zh-CN" sz="2000" b="1" smtClean="0">
-              <a:solidFill>
-                <a:srgbClr val="00B050"/>
-              </a:solidFill>
-            </a:endParaRPr>
-          </a:p>
-          <a:p>
-            <a:endParaRPr lang="en-US" altLang="zh-CN" sz="2000" b="1" smtClean="0">
-              <a:solidFill>
-                <a:srgbClr val="00B050"/>
-              </a:solidFill>
-            </a:endParaRPr>
-          </a:p>
-        </p:txBody>
-      </p:sp>
-    </p:spTree>
-    <p:extLst>
-      <p:ext uri="{BB962C8B-B14F-4D97-AF65-F5344CB8AC3E}">
-        <p14:creationId xmlns:p14="http://schemas.microsoft.com/office/powerpoint/2010/main" val="3562849902"/>
-      </p:ext>
-    </p:extLst>
-  </p:cSld>
-  <p:clrMapOvr>
-    <a:masterClrMapping/>
-  </p:clrMapOvr>
-</p:sld>
-</file>
-
-<file path=ppt/slides/slide13.xml><?xml version="1.0" encoding="utf-8"?>
-<p:sld xmlns:a="http://schemas.openxmlformats.org/drawingml/2006/main" xmlns:r="http://schemas.openxmlformats.org/officeDocument/2006/relationships" xmlns:p="http://schemas.openxmlformats.org/presentationml/2006/main">
-  <p:cSld>
-    <p:bg>
-      <p:bgPr>
-        <a:solidFill>
-          <a:schemeClr val="accent1">
-            <a:lumMod val="75000"/>
-          </a:schemeClr>
-        </a:solidFill>
-        <a:effectLst/>
-      </p:bgPr>
-    </p:bg>
-    <p:spTree>
-      <p:nvGrpSpPr>
-        <p:cNvPr id="1" name=""/>
-        <p:cNvGrpSpPr/>
-        <p:nvPr/>
-      </p:nvGrpSpPr>
-      <p:grpSpPr>
-        <a:xfrm>
-          <a:off x="0" y="0"/>
-          <a:ext cx="0" cy="0"/>
-          <a:chOff x="0" y="0"/>
-          <a:chExt cx="0" cy="0"/>
-        </a:xfrm>
-      </p:grpSpPr>
-      <p:sp>
-        <p:nvSpPr>
-          <p:cNvPr id="2" name="矩形 1"/>
-          <p:cNvSpPr/>
-          <p:nvPr/>
-        </p:nvSpPr>
-        <p:spPr>
-          <a:xfrm>
             <a:off x="5586545" y="6095999"/>
             <a:ext cx="1780906" cy="409302"/>
           </a:xfrm>
@@ -5144,7 +4870,7 @@
 </p:sld>
 </file>
 
-<file path=ppt/slides/slide14.xml><?xml version="1.0" encoding="utf-8"?>
+<file path=ppt/slides/slide13.xml><?xml version="1.0" encoding="utf-8"?>
 <p:sld xmlns:a="http://schemas.openxmlformats.org/drawingml/2006/main" xmlns:r="http://schemas.openxmlformats.org/officeDocument/2006/relationships" xmlns:p="http://schemas.openxmlformats.org/presentationml/2006/main">
   <p:cSld>
     <p:bg>
@@ -5208,7 +4934,7 @@
 </p:sld>
 </file>
 
-<file path=ppt/slides/slide15.xml><?xml version="1.0" encoding="utf-8"?>
+<file path=ppt/slides/slide14.xml><?xml version="1.0" encoding="utf-8"?>
 <p:sld xmlns:a="http://schemas.openxmlformats.org/drawingml/2006/main" xmlns:r="http://schemas.openxmlformats.org/officeDocument/2006/relationships" xmlns:p="http://schemas.openxmlformats.org/presentationml/2006/main">
   <p:cSld>
     <p:bg>
@@ -5272,7 +4998,7 @@
 </p:sld>
 </file>
 
-<file path=ppt/slides/slide16.xml><?xml version="1.0" encoding="utf-8"?>
+<file path=ppt/slides/slide15.xml><?xml version="1.0" encoding="utf-8"?>
 <p:sld xmlns:a="http://schemas.openxmlformats.org/drawingml/2006/main" xmlns:r="http://schemas.openxmlformats.org/officeDocument/2006/relationships" xmlns:p="http://schemas.openxmlformats.org/presentationml/2006/main">
   <p:cSld>
     <p:bg>
@@ -5303,6 +5029,312 @@
     <p:extLst>
       <p:ext uri="{BB962C8B-B14F-4D97-AF65-F5344CB8AC3E}">
         <p14:creationId xmlns:p14="http://schemas.microsoft.com/office/powerpoint/2010/main" val="586932293"/>
+      </p:ext>
+    </p:extLst>
+  </p:cSld>
+  <p:clrMapOvr>
+    <a:masterClrMapping/>
+  </p:clrMapOvr>
+</p:sld>
+</file>
+
+<file path=ppt/slides/slide16.xml><?xml version="1.0" encoding="utf-8"?>
+<p:sld xmlns:a="http://schemas.openxmlformats.org/drawingml/2006/main" xmlns:r="http://schemas.openxmlformats.org/officeDocument/2006/relationships" xmlns:p="http://schemas.openxmlformats.org/presentationml/2006/main">
+  <p:cSld>
+    <p:bg>
+      <p:bgPr>
+        <a:solidFill>
+          <a:schemeClr val="accent1">
+            <a:lumMod val="75000"/>
+          </a:schemeClr>
+        </a:solidFill>
+        <a:effectLst/>
+      </p:bgPr>
+    </p:bg>
+    <p:spTree>
+      <p:nvGrpSpPr>
+        <p:cNvPr id="1" name=""/>
+        <p:cNvGrpSpPr/>
+        <p:nvPr/>
+      </p:nvGrpSpPr>
+      <p:grpSpPr>
+        <a:xfrm>
+          <a:off x="0" y="0"/>
+          <a:ext cx="0" cy="0"/>
+          <a:chOff x="0" y="0"/>
+          <a:chExt cx="0" cy="0"/>
+        </a:xfrm>
+      </p:grpSpPr>
+      <p:sp>
+        <p:nvSpPr>
+          <p:cNvPr id="2" name="矩形 1"/>
+          <p:cNvSpPr/>
+          <p:nvPr/>
+        </p:nvSpPr>
+        <p:spPr>
+          <a:xfrm>
+            <a:off x="0" y="390825"/>
+            <a:ext cx="10858004" cy="5632311"/>
+          </a:xfrm>
+          <a:prstGeom prst="rect">
+            <a:avLst/>
+          </a:prstGeom>
+        </p:spPr>
+        <p:txBody>
+          <a:bodyPr wrap="square">
+            <a:spAutoFit/>
+          </a:bodyPr>
+          <a:lstStyle/>
+          <a:p>
+            <a:r>
+              <a:rPr lang="zh-CN" altLang="en-US" sz="4400" smtClean="0">
+                <a:solidFill>
+                  <a:srgbClr val="FF0000"/>
+                </a:solidFill>
+              </a:rPr>
+              <a:t>书签</a:t>
+            </a:r>
+            <a:r>
+              <a:rPr lang="zh-CN" altLang="en-US" smtClean="0"/>
+              <a:t>：</a:t>
+            </a:r>
+            <a:r>
+              <a:rPr lang="en-US" altLang="zh-CN" smtClean="0"/>
+              <a:t>Scheduled</a:t>
+            </a:r>
+            <a:r>
+              <a:rPr lang="zh-CN" altLang="en-US" smtClean="0"/>
+              <a:t>明天继续研究</a:t>
+            </a:r>
+            <a:r>
+              <a:rPr lang="en-US" altLang="zh-CN" smtClean="0"/>
+              <a:t>Scheduled</a:t>
+            </a:r>
+            <a:r>
+              <a:rPr lang="zh-CN" altLang="en-US" smtClean="0"/>
+              <a:t>的并发编程，以及</a:t>
+            </a:r>
+            <a:r>
+              <a:rPr lang="en-US" altLang="zh-CN" sz="3600" b="1" smtClean="0">
+                <a:solidFill>
+                  <a:srgbClr val="FF0000"/>
+                </a:solidFill>
+              </a:rPr>
+              <a:t>DelayedWorkQueue</a:t>
+            </a:r>
+            <a:r>
+              <a:rPr lang="zh-CN" altLang="en-US" sz="3600" b="1" smtClean="0">
+                <a:solidFill>
+                  <a:srgbClr val="FF0000"/>
+                </a:solidFill>
+              </a:rPr>
+              <a:t>的学习，</a:t>
+            </a:r>
+            <a:r>
+              <a:rPr lang="zh-CN" altLang="en-US" sz="3600" b="1">
+                <a:solidFill>
+                  <a:srgbClr val="FF0000"/>
+                </a:solidFill>
+              </a:rPr>
+              <a:t>以及</a:t>
+            </a:r>
+            <a:r>
+              <a:rPr lang="en-US" altLang="zh-CN" sz="3600" b="1">
+                <a:solidFill>
+                  <a:srgbClr val="FF0000"/>
+                </a:solidFill>
+              </a:rPr>
+              <a:t>Scheduled</a:t>
+            </a:r>
+            <a:r>
+              <a:rPr lang="zh-CN" altLang="en-US" sz="3600" b="1">
+                <a:solidFill>
+                  <a:srgbClr val="FF0000"/>
+                </a:solidFill>
+              </a:rPr>
+              <a:t>执行结果处理相关的类</a:t>
+            </a:r>
+            <a:r>
+              <a:rPr lang="en-US" altLang="zh-CN" sz="3600" b="1" smtClean="0">
+                <a:solidFill>
+                  <a:srgbClr val="FF0000"/>
+                </a:solidFill>
+              </a:rPr>
+              <a:t>ScheduledFutureTask</a:t>
+            </a:r>
+            <a:r>
+              <a:rPr lang="zh-CN" altLang="en-US" sz="3600" b="1" smtClean="0">
+                <a:solidFill>
+                  <a:srgbClr val="FF0000"/>
+                </a:solidFill>
+              </a:rPr>
+              <a:t>以及</a:t>
+            </a:r>
+            <a:endParaRPr lang="en-US" altLang="zh-CN" sz="3600" b="1" smtClean="0">
+              <a:solidFill>
+                <a:srgbClr val="FF0000"/>
+              </a:solidFill>
+            </a:endParaRPr>
+          </a:p>
+          <a:p>
+            <a:r>
+              <a:rPr lang="en-US" altLang="zh-CN" sz="2000" b="1" smtClean="0">
+                <a:solidFill>
+                  <a:srgbClr val="00B050"/>
+                </a:solidFill>
+              </a:rPr>
+              <a:t>public </a:t>
+            </a:r>
+            <a:r>
+              <a:rPr lang="en-US" altLang="zh-CN" sz="2000" b="1">
+                <a:solidFill>
+                  <a:srgbClr val="00B050"/>
+                </a:solidFill>
+              </a:rPr>
+              <a:t>interface RunnableScheduledFuture&lt;V&gt; extends RunnableFuture&lt;V&gt;, ScheduledFuture&lt;V</a:t>
+            </a:r>
+            <a:r>
+              <a:rPr lang="en-US" altLang="zh-CN" sz="2000" b="1" smtClean="0">
+                <a:solidFill>
+                  <a:srgbClr val="00B050"/>
+                </a:solidFill>
+              </a:rPr>
+              <a:t>&gt;</a:t>
+            </a:r>
+          </a:p>
+          <a:p>
+            <a:endParaRPr lang="en-US" altLang="zh-CN" sz="2000" b="1">
+              <a:solidFill>
+                <a:srgbClr val="00B050"/>
+              </a:solidFill>
+            </a:endParaRPr>
+          </a:p>
+          <a:p>
+            <a:endParaRPr lang="en-US" altLang="zh-CN" sz="2000" b="1" smtClean="0">
+              <a:solidFill>
+                <a:srgbClr val="00B050"/>
+              </a:solidFill>
+            </a:endParaRPr>
+          </a:p>
+          <a:p>
+            <a:endParaRPr lang="en-US" altLang="zh-CN" sz="2000" b="1">
+              <a:solidFill>
+                <a:srgbClr val="00B050"/>
+              </a:solidFill>
+            </a:endParaRPr>
+          </a:p>
+          <a:p>
+            <a:r>
+              <a:rPr lang="en-US" altLang="zh-CN" sz="3600" b="1">
+                <a:solidFill>
+                  <a:srgbClr val="FF0000"/>
+                </a:solidFill>
+              </a:rPr>
+              <a:t>	</a:t>
+            </a:r>
+            <a:r>
+              <a:rPr lang="en-US" altLang="zh-CN" sz="3600" b="1" smtClean="0">
+                <a:solidFill>
+                  <a:srgbClr val="FF0000"/>
+                </a:solidFill>
+              </a:rPr>
+              <a:t>				</a:t>
+            </a:r>
+            <a:r>
+              <a:rPr lang="zh-CN" altLang="en-US" sz="3600" b="1" smtClean="0">
+                <a:solidFill>
+                  <a:srgbClr val="FF0000"/>
+                </a:solidFill>
+              </a:rPr>
+              <a:t>还有</a:t>
+            </a:r>
+            <a:r>
+              <a:rPr lang="zh-CN" altLang="en-US" sz="3600" b="1">
+                <a:solidFill>
+                  <a:srgbClr val="FF0000"/>
+                </a:solidFill>
+              </a:rPr>
+              <a:t>并发集合</a:t>
+            </a:r>
+            <a:endParaRPr lang="en-US" altLang="zh-CN" sz="3600" b="1">
+              <a:solidFill>
+                <a:srgbClr val="FF0000"/>
+              </a:solidFill>
+            </a:endParaRPr>
+          </a:p>
+          <a:p>
+            <a:endParaRPr lang="en-US" altLang="zh-CN" sz="2000" b="1">
+              <a:solidFill>
+                <a:srgbClr val="00B050"/>
+              </a:solidFill>
+            </a:endParaRPr>
+          </a:p>
+          <a:p>
+            <a:r>
+              <a:rPr lang="en-US" altLang="zh-CN" sz="2400" b="1">
+                <a:solidFill>
+                  <a:srgbClr val="FF0000"/>
+                </a:solidFill>
+              </a:rPr>
+              <a:t>ExecutorService es4 = </a:t>
+            </a:r>
+            <a:r>
+              <a:rPr lang="en-US" altLang="zh-CN" sz="2400" b="1">
+                <a:solidFill>
+                  <a:srgbClr val="FF0000"/>
+                </a:solidFill>
+              </a:rPr>
+              <a:t>Executors.newWorkStealingPool</a:t>
+            </a:r>
+            <a:r>
+              <a:rPr lang="en-US" altLang="zh-CN" sz="2400" b="1" smtClean="0">
+                <a:solidFill>
+                  <a:srgbClr val="FF0000"/>
+                </a:solidFill>
+              </a:rPr>
+              <a:t>();</a:t>
+            </a:r>
+            <a:r>
+              <a:rPr lang="zh-CN" altLang="en-US" sz="2400" b="1" smtClean="0">
+                <a:solidFill>
+                  <a:srgbClr val="FF0000"/>
+                </a:solidFill>
+              </a:rPr>
+              <a:t>研究一下其线程工厂以及消息队列</a:t>
+            </a:r>
+            <a:endParaRPr lang="en-US" altLang="zh-CN" sz="2400" b="1" smtClean="0">
+              <a:solidFill>
+                <a:srgbClr val="FF0000"/>
+              </a:solidFill>
+            </a:endParaRPr>
+          </a:p>
+          <a:p>
+            <a:endParaRPr lang="en-US" altLang="zh-CN" sz="2000" b="1">
+              <a:solidFill>
+                <a:srgbClr val="00B050"/>
+              </a:solidFill>
+            </a:endParaRPr>
+          </a:p>
+          <a:p>
+            <a:endParaRPr lang="en-US" altLang="zh-CN" sz="2000" b="1" smtClean="0">
+              <a:solidFill>
+                <a:srgbClr val="00B050"/>
+              </a:solidFill>
+            </a:endParaRPr>
+          </a:p>
+          <a:p>
+            <a:endParaRPr lang="en-US" altLang="zh-CN" sz="2000" b="1" smtClean="0">
+              <a:solidFill>
+                <a:srgbClr val="00B050"/>
+              </a:solidFill>
+            </a:endParaRPr>
+          </a:p>
+        </p:txBody>
+      </p:sp>
+    </p:spTree>
+    <p:extLst>
+      <p:ext uri="{BB962C8B-B14F-4D97-AF65-F5344CB8AC3E}">
+        <p14:creationId xmlns:p14="http://schemas.microsoft.com/office/powerpoint/2010/main" val="3562849902"/>
       </p:ext>
     </p:extLst>
   </p:cSld>
@@ -7976,11 +8008,7 @@
           <a:p>
             <a:r>
               <a:rPr lang="zh-CN" altLang="en-US" smtClean="0"/>
-              <a:t>获取</a:t>
-            </a:r>
-            <a:r>
-              <a:rPr lang="zh-CN" altLang="en-US" smtClean="0"/>
-              <a:t>结果。</a:t>
+              <a:t>获取结果。</a:t>
             </a:r>
             <a:endParaRPr lang="en-US" altLang="zh-CN" smtClean="0"/>
           </a:p>
